--- a/website/pptx/Adsorption.pptx
+++ b/website/pptx/Adsorption.pptx
@@ -8,18 +8,25 @@
     <p:sldMasterId id="2147483692" r:id="rId4"/>
   </p:sldMasterIdLst>
   <p:notesMasterIdLst>
-    <p:notesMasterId r:id="rId9"/>
+    <p:notesMasterId r:id="rId16"/>
   </p:notesMasterIdLst>
   <p:handoutMasterIdLst>
-    <p:handoutMasterId r:id="rId10"/>
+    <p:handoutMasterId r:id="rId17"/>
   </p:handoutMasterIdLst>
   <p:sldIdLst>
     <p:sldId id="288" r:id="rId5"/>
-    <p:sldId id="290" r:id="rId6"/>
-    <p:sldId id="291" r:id="rId7"/>
-    <p:sldId id="292" r:id="rId8"/>
+    <p:sldId id="294" r:id="rId6"/>
+    <p:sldId id="297" r:id="rId7"/>
+    <p:sldId id="298" r:id="rId8"/>
+    <p:sldId id="295" r:id="rId9"/>
+    <p:sldId id="296" r:id="rId10"/>
+    <p:sldId id="290" r:id="rId11"/>
+    <p:sldId id="291" r:id="rId12"/>
+    <p:sldId id="292" r:id="rId13"/>
+    <p:sldId id="293" r:id="rId14"/>
+    <p:sldId id="299" r:id="rId15"/>
   </p:sldIdLst>
-  <p:sldSz cx="9144000" cy="6858000" type="screen4x3"/>
+  <p:sldSz cx="12192000" cy="6858000"/>
   <p:notesSz cx="7315200" cy="9601200"/>
   <p:defaultTextStyle>
     <a:defPPr>
@@ -149,12 +156,12 @@
   <p:extLst>
     <p:ext uri="{EFAFB233-063F-42B5-8137-9DF3F51BA10A}">
       <p15:sldGuideLst xmlns:p15="http://schemas.microsoft.com/office/powerpoint/2012/main">
-        <p15:guide id="1" orient="horz" pos="2160">
+        <p15:guide id="1" orient="horz" pos="2160" userDrawn="1">
           <p15:clr>
             <a:srgbClr val="A4A3A4"/>
           </p15:clr>
         </p15:guide>
-        <p15:guide id="2" pos="2880">
+        <p15:guide id="2" pos="3840" userDrawn="1">
           <p15:clr>
             <a:srgbClr val="A4A3A4"/>
           </p15:clr>
@@ -658,8 +665,8 @@
         </p:nvSpPr>
         <p:spPr bwMode="auto">
           <a:xfrm>
-            <a:off x="1257300" y="720725"/>
-            <a:ext cx="4800600" cy="3600450"/>
+            <a:off x="457200" y="720725"/>
+            <a:ext cx="6400800" cy="3600450"/>
           </a:xfrm>
           <a:prstGeom prst="rect">
             <a:avLst/>
@@ -1113,6 +1120,10 @@
           </p:nvPr>
         </p:nvSpPr>
         <p:spPr>
+          <a:xfrm>
+            <a:off x="457200" y="720725"/>
+            <a:ext cx="6400800" cy="3600450"/>
+          </a:xfrm>
           <a:ln/>
         </p:spPr>
       </p:sp>
@@ -1162,49 +1173,26 @@
       </p:grpSpPr>
       <p:sp>
         <p:nvSpPr>
-          <p:cNvPr id="7" name="Rectangle 7"/>
+          <p:cNvPr id="2" name="Slide Image Placeholder 1"/>
           <p:cNvSpPr>
-            <a:spLocks noGrp="1" noChangeArrowheads="1"/>
-          </p:cNvSpPr>
-          <p:nvPr>
-            <p:ph type="sldNum" sz="quarter" idx="5"/>
-          </p:nvPr>
-        </p:nvSpPr>
-        <p:spPr>
-          <a:ln/>
-        </p:spPr>
-        <p:txBody>
-          <a:bodyPr/>
-          <a:lstStyle/>
-          <a:p>
-            <a:fld id="{B738B887-0F5E-4307-BF49-016D2F5623F8}" type="slidenum">
-              <a:rPr lang="en-US" altLang="en-US"/>
-              <a:pPr/>
-              <a:t>2</a:t>
-            </a:fld>
-            <a:endParaRPr lang="en-US" altLang="en-US"/>
-          </a:p>
-        </p:txBody>
-      </p:sp>
-      <p:sp>
-        <p:nvSpPr>
-          <p:cNvPr id="80898" name="Rectangle 2"/>
-          <p:cNvSpPr>
-            <a:spLocks noGrp="1" noRot="1" noChangeAspect="1" noChangeArrowheads="1" noTextEdit="1"/>
+            <a:spLocks noGrp="1" noRot="1" noChangeAspect="1"/>
           </p:cNvSpPr>
           <p:nvPr>
             <p:ph type="sldImg"/>
           </p:nvPr>
         </p:nvSpPr>
         <p:spPr>
-          <a:ln/>
+          <a:xfrm>
+            <a:off x="457200" y="720725"/>
+            <a:ext cx="6400800" cy="3600450"/>
+          </a:xfrm>
         </p:spPr>
       </p:sp>
       <p:sp>
         <p:nvSpPr>
-          <p:cNvPr id="80899" name="Rectangle 3"/>
+          <p:cNvPr id="3" name="Notes Placeholder 2"/>
           <p:cNvSpPr>
-            <a:spLocks noGrp="1" noChangeArrowheads="1"/>
+            <a:spLocks noGrp="1"/>
           </p:cNvSpPr>
           <p:nvPr>
             <p:ph type="body" idx="1"/>
@@ -1215,6 +1203,36 @@
           <a:bodyPr/>
           <a:lstStyle/>
           <a:p>
+            <a:r>
+              <a:rPr lang="en-US" dirty="0" smtClean="0">
+                <a:hlinkClick r:id="rId3"/>
+              </a:rPr>
+              <a:t>https://www.environmental-expert.com/products/calgon-carbon-model-10-modular-carbon-adsorption-system-60551</a:t>
+            </a:r>
+            <a:endParaRPr lang="en-US" dirty="0"/>
+          </a:p>
+        </p:txBody>
+      </p:sp>
+      <p:sp>
+        <p:nvSpPr>
+          <p:cNvPr id="4" name="Slide Number Placeholder 3"/>
+          <p:cNvSpPr>
+            <a:spLocks noGrp="1"/>
+          </p:cNvSpPr>
+          <p:nvPr>
+            <p:ph type="sldNum" sz="quarter" idx="10"/>
+          </p:nvPr>
+        </p:nvSpPr>
+        <p:spPr/>
+        <p:txBody>
+          <a:bodyPr/>
+          <a:lstStyle/>
+          <a:p>
+            <a:fld id="{3D00F399-3917-48B7-B7DC-B9AA3C59F2C2}" type="slidenum">
+              <a:rPr lang="en-US" altLang="en-US" smtClean="0"/>
+              <a:pPr/>
+              <a:t>3</a:t>
+            </a:fld>
             <a:endParaRPr lang="en-US" altLang="en-US"/>
           </a:p>
         </p:txBody>
@@ -1222,7 +1240,7 @@
     </p:spTree>
     <p:extLst>
       <p:ext uri="{BB962C8B-B14F-4D97-AF65-F5344CB8AC3E}">
-        <p14:creationId xmlns:p14="http://schemas.microsoft.com/office/powerpoint/2010/main" val="283847485"/>
+        <p14:creationId xmlns:p14="http://schemas.microsoft.com/office/powerpoint/2010/main" val="2644431457"/>
       </p:ext>
     </p:extLst>
   </p:cSld>
@@ -1276,6 +1294,119 @@
           <a:bodyPr/>
           <a:lstStyle/>
           <a:p>
+            <a:r>
+              <a:rPr lang="en-US" sz="1200" b="0" i="0" u="none" strike="noStrike" kern="1200" baseline="0" dirty="0" smtClean="0">
+                <a:solidFill>
+                  <a:schemeClr val="tx1"/>
+                </a:solidFill>
+                <a:latin typeface="Arial" panose="020B0604020202020204" pitchFamily="34" charset="0"/>
+                <a:ea typeface="+mn-ea"/>
+                <a:cs typeface="+mn-cs"/>
+              </a:rPr>
+              <a:t>Graham, M., </a:t>
+            </a:r>
+            <a:r>
+              <a:rPr lang="en-US" sz="1200" b="0" i="0" u="none" strike="noStrike" kern="1200" baseline="0" dirty="0" err="1" smtClean="0">
+                <a:solidFill>
+                  <a:schemeClr val="tx1"/>
+                </a:solidFill>
+                <a:latin typeface="Arial" panose="020B0604020202020204" pitchFamily="34" charset="0"/>
+                <a:ea typeface="+mn-ea"/>
+                <a:cs typeface="+mn-cs"/>
+              </a:rPr>
+              <a:t>Najm</a:t>
+            </a:r>
+            <a:r>
+              <a:rPr lang="en-US" sz="1200" b="0" i="0" u="none" strike="noStrike" kern="1200" baseline="0" dirty="0" smtClean="0">
+                <a:solidFill>
+                  <a:schemeClr val="tx1"/>
+                </a:solidFill>
+                <a:latin typeface="Arial" panose="020B0604020202020204" pitchFamily="34" charset="0"/>
+                <a:ea typeface="+mn-ea"/>
+                <a:cs typeface="+mn-cs"/>
+              </a:rPr>
+              <a:t>, I., Simpson, M., Macleod, B., Summers, S., and Cummings,</a:t>
+            </a:r>
+          </a:p>
+          <a:p>
+            <a:r>
+              <a:rPr lang="en-US" sz="1200" b="0" i="0" u="none" strike="noStrike" kern="1200" baseline="0" dirty="0" smtClean="0">
+                <a:solidFill>
+                  <a:schemeClr val="tx1"/>
+                </a:solidFill>
+                <a:latin typeface="Arial" panose="020B0604020202020204" pitchFamily="34" charset="0"/>
+                <a:ea typeface="+mn-ea"/>
+                <a:cs typeface="+mn-cs"/>
+              </a:rPr>
+              <a:t>L. (2000) </a:t>
+            </a:r>
+            <a:r>
+              <a:rPr lang="en-US" sz="1200" b="0" i="1" u="none" strike="noStrike" kern="1200" baseline="0" dirty="0" smtClean="0">
+                <a:solidFill>
+                  <a:schemeClr val="tx1"/>
+                </a:solidFill>
+                <a:latin typeface="Arial" panose="020B0604020202020204" pitchFamily="34" charset="0"/>
+                <a:ea typeface="+mn-ea"/>
+                <a:cs typeface="+mn-cs"/>
+              </a:rPr>
+              <a:t>Optimization of Powdered Activated Carbon Application for </a:t>
+            </a:r>
+            <a:r>
+              <a:rPr lang="en-US" sz="1200" b="0" i="1" u="none" strike="noStrike" kern="1200" baseline="0" dirty="0" err="1" smtClean="0">
+                <a:solidFill>
+                  <a:schemeClr val="tx1"/>
+                </a:solidFill>
+                <a:latin typeface="Arial" panose="020B0604020202020204" pitchFamily="34" charset="0"/>
+                <a:ea typeface="+mn-ea"/>
+                <a:cs typeface="+mn-cs"/>
+              </a:rPr>
+              <a:t>Geosmin</a:t>
+            </a:r>
+            <a:endParaRPr lang="en-US" sz="1200" b="0" i="1" u="none" strike="noStrike" kern="1200" baseline="0" dirty="0" smtClean="0">
+              <a:solidFill>
+                <a:schemeClr val="tx1"/>
+              </a:solidFill>
+              <a:latin typeface="Arial" panose="020B0604020202020204" pitchFamily="34" charset="0"/>
+              <a:ea typeface="+mn-ea"/>
+              <a:cs typeface="+mn-cs"/>
+            </a:endParaRPr>
+          </a:p>
+          <a:p>
+            <a:r>
+              <a:rPr lang="en-US" sz="1200" b="0" i="1" u="none" strike="noStrike" kern="1200" baseline="0" dirty="0" smtClean="0">
+                <a:solidFill>
+                  <a:schemeClr val="tx1"/>
+                </a:solidFill>
+                <a:latin typeface="Arial" panose="020B0604020202020204" pitchFamily="34" charset="0"/>
+                <a:ea typeface="+mn-ea"/>
+                <a:cs typeface="+mn-cs"/>
+              </a:rPr>
+              <a:t>and MIB Removal</a:t>
+            </a:r>
+            <a:r>
+              <a:rPr lang="en-US" sz="1200" b="0" i="0" u="none" strike="noStrike" kern="1200" baseline="0" dirty="0" smtClean="0">
+                <a:solidFill>
+                  <a:schemeClr val="tx1"/>
+                </a:solidFill>
+                <a:latin typeface="Arial" panose="020B0604020202020204" pitchFamily="34" charset="0"/>
+                <a:ea typeface="+mn-ea"/>
+                <a:cs typeface="+mn-cs"/>
+              </a:rPr>
+              <a:t>, American Water Works Association Research Foundation,</a:t>
+            </a:r>
+          </a:p>
+          <a:p>
+            <a:r>
+              <a:rPr lang="en-US" sz="1200" b="0" i="0" u="none" strike="noStrike" kern="1200" baseline="0" dirty="0" smtClean="0">
+                <a:solidFill>
+                  <a:schemeClr val="tx1"/>
+                </a:solidFill>
+                <a:latin typeface="Arial" panose="020B0604020202020204" pitchFamily="34" charset="0"/>
+                <a:ea typeface="+mn-ea"/>
+                <a:cs typeface="+mn-cs"/>
+              </a:rPr>
+              <a:t>Denver, CO.</a:t>
+            </a:r>
             <a:endParaRPr lang="en-US" dirty="0"/>
           </a:p>
         </p:txBody>
@@ -1299,6 +1430,581 @@
               <a:rPr lang="en-US" altLang="en-US" smtClean="0"/>
               <a:pPr/>
               <a:t>4</a:t>
+            </a:fld>
+            <a:endParaRPr lang="en-US" altLang="en-US"/>
+          </a:p>
+        </p:txBody>
+      </p:sp>
+    </p:spTree>
+    <p:extLst>
+      <p:ext uri="{BB962C8B-B14F-4D97-AF65-F5344CB8AC3E}">
+        <p14:creationId xmlns:p14="http://schemas.microsoft.com/office/powerpoint/2010/main" val="2787245938"/>
+      </p:ext>
+    </p:extLst>
+  </p:cSld>
+  <p:clrMapOvr>
+    <a:masterClrMapping/>
+  </p:clrMapOvr>
+</p:notes>
+</file>
+
+<file path=ppt/notesSlides/notesSlide4.xml><?xml version="1.0" encoding="utf-8"?>
+<p:notes xmlns:a="http://schemas.openxmlformats.org/drawingml/2006/main" xmlns:r="http://schemas.openxmlformats.org/officeDocument/2006/relationships" xmlns:p="http://schemas.openxmlformats.org/presentationml/2006/main">
+  <p:cSld>
+    <p:spTree>
+      <p:nvGrpSpPr>
+        <p:cNvPr id="1" name=""/>
+        <p:cNvGrpSpPr/>
+        <p:nvPr/>
+      </p:nvGrpSpPr>
+      <p:grpSpPr>
+        <a:xfrm>
+          <a:off x="0" y="0"/>
+          <a:ext cx="0" cy="0"/>
+          <a:chOff x="0" y="0"/>
+          <a:chExt cx="0" cy="0"/>
+        </a:xfrm>
+      </p:grpSpPr>
+      <p:sp>
+        <p:nvSpPr>
+          <p:cNvPr id="2" name="Slide Image Placeholder 1"/>
+          <p:cNvSpPr>
+            <a:spLocks noGrp="1" noRot="1" noChangeAspect="1"/>
+          </p:cNvSpPr>
+          <p:nvPr>
+            <p:ph type="sldImg"/>
+          </p:nvPr>
+        </p:nvSpPr>
+        <p:spPr>
+          <a:xfrm>
+            <a:off x="457200" y="720725"/>
+            <a:ext cx="6400800" cy="3600450"/>
+          </a:xfrm>
+        </p:spPr>
+      </p:sp>
+      <p:sp>
+        <p:nvSpPr>
+          <p:cNvPr id="3" name="Notes Placeholder 2"/>
+          <p:cNvSpPr>
+            <a:spLocks noGrp="1"/>
+          </p:cNvSpPr>
+          <p:nvPr>
+            <p:ph type="body" idx="1"/>
+          </p:nvPr>
+        </p:nvSpPr>
+        <p:spPr/>
+        <p:txBody>
+          <a:bodyPr/>
+          <a:lstStyle/>
+          <a:p>
+            <a:r>
+              <a:rPr lang="en-US" sz="1200" b="1" i="0" kern="1200" dirty="0" smtClean="0">
+                <a:solidFill>
+                  <a:schemeClr val="tx1"/>
+                </a:solidFill>
+                <a:effectLst/>
+                <a:latin typeface="Arial" panose="020B0604020202020204" pitchFamily="34" charset="0"/>
+                <a:ea typeface="+mn-ea"/>
+                <a:cs typeface="+mn-cs"/>
+              </a:rPr>
+              <a:t>MWH's Water Treatment: Principles and Design, Third Edition: Principles and Design, Third Edition</a:t>
+            </a:r>
+          </a:p>
+          <a:p>
+            <a:r>
+              <a:rPr lang="en-US" sz="1200" b="0" i="0" kern="1200" dirty="0" smtClean="0">
+                <a:solidFill>
+                  <a:schemeClr val="tx1"/>
+                </a:solidFill>
+                <a:effectLst/>
+                <a:latin typeface="Arial" panose="020B0604020202020204" pitchFamily="34" charset="0"/>
+                <a:ea typeface="+mn-ea"/>
+                <a:cs typeface="+mn-cs"/>
+              </a:rPr>
+              <a:t>Author(s): </a:t>
+            </a:r>
+            <a:r>
+              <a:rPr lang="en-US" sz="1200" b="0" i="0" u="none" strike="noStrike" kern="1200" dirty="0" smtClean="0">
+                <a:solidFill>
+                  <a:schemeClr val="tx1"/>
+                </a:solidFill>
+                <a:effectLst/>
+                <a:latin typeface="Arial" panose="020B0604020202020204" pitchFamily="34" charset="0"/>
+                <a:ea typeface="+mn-ea"/>
+                <a:cs typeface="+mn-cs"/>
+                <a:hlinkClick r:id="rId3" tooltip="John C. Crittenden"/>
+              </a:rPr>
+              <a:t>John C. Crittenden</a:t>
+            </a:r>
+            <a:endParaRPr lang="en-US" sz="1200" b="0" i="0" kern="1200" dirty="0" smtClean="0">
+              <a:solidFill>
+                <a:schemeClr val="tx1"/>
+              </a:solidFill>
+              <a:effectLst/>
+              <a:latin typeface="Arial" panose="020B0604020202020204" pitchFamily="34" charset="0"/>
+              <a:ea typeface="+mn-ea"/>
+              <a:cs typeface="+mn-cs"/>
+            </a:endParaRPr>
+          </a:p>
+          <a:p>
+            <a:r>
+              <a:rPr lang="en-US" sz="1200" b="0" i="0" kern="1200" dirty="0" smtClean="0">
+                <a:solidFill>
+                  <a:schemeClr val="tx1"/>
+                </a:solidFill>
+                <a:effectLst/>
+                <a:latin typeface="Arial" panose="020B0604020202020204" pitchFamily="34" charset="0"/>
+                <a:ea typeface="+mn-ea"/>
+                <a:cs typeface="+mn-cs"/>
+              </a:rPr>
+              <a:t> </a:t>
+            </a:r>
+            <a:r>
+              <a:rPr lang="en-US" sz="1200" b="0" i="0" u="none" strike="noStrike" kern="1200" dirty="0" smtClean="0">
+                <a:solidFill>
+                  <a:schemeClr val="tx1"/>
+                </a:solidFill>
+                <a:effectLst/>
+                <a:latin typeface="Arial" panose="020B0604020202020204" pitchFamily="34" charset="0"/>
+                <a:ea typeface="+mn-ea"/>
+                <a:cs typeface="+mn-cs"/>
+                <a:hlinkClick r:id="rId4" tooltip="R. Rhodes Trussell"/>
+              </a:rPr>
+              <a:t>R. Rhodes </a:t>
+            </a:r>
+            <a:r>
+              <a:rPr lang="en-US" sz="1200" b="0" i="0" u="none" strike="noStrike" kern="1200" dirty="0" err="1" smtClean="0">
+                <a:solidFill>
+                  <a:schemeClr val="tx1"/>
+                </a:solidFill>
+                <a:effectLst/>
+                <a:latin typeface="Arial" panose="020B0604020202020204" pitchFamily="34" charset="0"/>
+                <a:ea typeface="+mn-ea"/>
+                <a:cs typeface="+mn-cs"/>
+                <a:hlinkClick r:id="rId4" tooltip="R. Rhodes Trussell"/>
+              </a:rPr>
+              <a:t>Trussell</a:t>
+            </a:r>
+            <a:endParaRPr lang="en-US" sz="1200" b="0" i="0" kern="1200" dirty="0" smtClean="0">
+              <a:solidFill>
+                <a:schemeClr val="tx1"/>
+              </a:solidFill>
+              <a:effectLst/>
+              <a:latin typeface="Arial" panose="020B0604020202020204" pitchFamily="34" charset="0"/>
+              <a:ea typeface="+mn-ea"/>
+              <a:cs typeface="+mn-cs"/>
+            </a:endParaRPr>
+          </a:p>
+          <a:p>
+            <a:r>
+              <a:rPr lang="en-US" sz="1200" b="0" i="0" kern="1200" dirty="0" smtClean="0">
+                <a:solidFill>
+                  <a:schemeClr val="tx1"/>
+                </a:solidFill>
+                <a:effectLst/>
+                <a:latin typeface="Arial" panose="020B0604020202020204" pitchFamily="34" charset="0"/>
+                <a:ea typeface="+mn-ea"/>
+                <a:cs typeface="+mn-cs"/>
+              </a:rPr>
+              <a:t> </a:t>
+            </a:r>
+            <a:r>
+              <a:rPr lang="en-US" sz="1200" b="0" i="0" u="none" strike="noStrike" kern="1200" dirty="0" smtClean="0">
+                <a:solidFill>
+                  <a:schemeClr val="tx1"/>
+                </a:solidFill>
+                <a:effectLst/>
+                <a:latin typeface="Arial" panose="020B0604020202020204" pitchFamily="34" charset="0"/>
+                <a:ea typeface="+mn-ea"/>
+                <a:cs typeface="+mn-cs"/>
+                <a:hlinkClick r:id="rId5" tooltip="David W. Hand"/>
+              </a:rPr>
+              <a:t>David W. Hand</a:t>
+            </a:r>
+            <a:endParaRPr lang="en-US" sz="1200" b="0" i="0" kern="1200" dirty="0" smtClean="0">
+              <a:solidFill>
+                <a:schemeClr val="tx1"/>
+              </a:solidFill>
+              <a:effectLst/>
+              <a:latin typeface="Arial" panose="020B0604020202020204" pitchFamily="34" charset="0"/>
+              <a:ea typeface="+mn-ea"/>
+              <a:cs typeface="+mn-cs"/>
+            </a:endParaRPr>
+          </a:p>
+          <a:p>
+            <a:r>
+              <a:rPr lang="en-US" sz="1200" b="0" i="0" kern="1200" dirty="0" smtClean="0">
+                <a:solidFill>
+                  <a:schemeClr val="tx1"/>
+                </a:solidFill>
+                <a:effectLst/>
+                <a:latin typeface="Arial" panose="020B0604020202020204" pitchFamily="34" charset="0"/>
+                <a:ea typeface="+mn-ea"/>
+                <a:cs typeface="+mn-cs"/>
+              </a:rPr>
+              <a:t> </a:t>
+            </a:r>
+            <a:r>
+              <a:rPr lang="en-US" sz="1200" b="0" i="0" u="none" strike="noStrike" kern="1200" dirty="0" smtClean="0">
+                <a:solidFill>
+                  <a:schemeClr val="tx1"/>
+                </a:solidFill>
+                <a:effectLst/>
+                <a:latin typeface="Arial" panose="020B0604020202020204" pitchFamily="34" charset="0"/>
+                <a:ea typeface="+mn-ea"/>
+                <a:cs typeface="+mn-cs"/>
+                <a:hlinkClick r:id="rId6" tooltip="Kerry J. Howe"/>
+              </a:rPr>
+              <a:t>Kerry J. Howe</a:t>
+            </a:r>
+            <a:endParaRPr lang="en-US" sz="1200" b="0" i="0" kern="1200" dirty="0" smtClean="0">
+              <a:solidFill>
+                <a:schemeClr val="tx1"/>
+              </a:solidFill>
+              <a:effectLst/>
+              <a:latin typeface="Arial" panose="020B0604020202020204" pitchFamily="34" charset="0"/>
+              <a:ea typeface="+mn-ea"/>
+              <a:cs typeface="+mn-cs"/>
+            </a:endParaRPr>
+          </a:p>
+          <a:p>
+            <a:r>
+              <a:rPr lang="en-US" sz="1200" b="0" i="0" kern="1200" dirty="0" smtClean="0">
+                <a:solidFill>
+                  <a:schemeClr val="tx1"/>
+                </a:solidFill>
+                <a:effectLst/>
+                <a:latin typeface="Arial" panose="020B0604020202020204" pitchFamily="34" charset="0"/>
+                <a:ea typeface="+mn-ea"/>
+                <a:cs typeface="+mn-cs"/>
+              </a:rPr>
+              <a:t> </a:t>
+            </a:r>
+            <a:r>
+              <a:rPr lang="en-US" sz="1200" b="0" i="0" u="none" strike="noStrike" kern="1200" dirty="0" smtClean="0">
+                <a:solidFill>
+                  <a:schemeClr val="tx1"/>
+                </a:solidFill>
+                <a:effectLst/>
+                <a:latin typeface="Arial" panose="020B0604020202020204" pitchFamily="34" charset="0"/>
+                <a:ea typeface="+mn-ea"/>
+                <a:cs typeface="+mn-cs"/>
+                <a:hlinkClick r:id="rId7" tooltip="George Tchobanoglous"/>
+              </a:rPr>
+              <a:t>George </a:t>
+            </a:r>
+            <a:r>
+              <a:rPr lang="en-US" sz="1200" b="0" i="0" u="none" strike="noStrike" kern="1200" dirty="0" err="1" smtClean="0">
+                <a:solidFill>
+                  <a:schemeClr val="tx1"/>
+                </a:solidFill>
+                <a:effectLst/>
+                <a:latin typeface="Arial" panose="020B0604020202020204" pitchFamily="34" charset="0"/>
+                <a:ea typeface="+mn-ea"/>
+                <a:cs typeface="+mn-cs"/>
+                <a:hlinkClick r:id="rId7" tooltip="George Tchobanoglous"/>
+              </a:rPr>
+              <a:t>Tchobanoglous</a:t>
+            </a:r>
+            <a:endParaRPr lang="en-US" sz="1200" b="0" i="0" kern="1200" dirty="0" smtClean="0">
+              <a:solidFill>
+                <a:schemeClr val="tx1"/>
+              </a:solidFill>
+              <a:effectLst/>
+              <a:latin typeface="Arial" panose="020B0604020202020204" pitchFamily="34" charset="0"/>
+              <a:ea typeface="+mn-ea"/>
+              <a:cs typeface="+mn-cs"/>
+            </a:endParaRPr>
+          </a:p>
+          <a:p>
+            <a:r>
+              <a:rPr lang="en-US" sz="1200" b="0" i="0" kern="1200" dirty="0" smtClean="0">
+                <a:solidFill>
+                  <a:schemeClr val="tx1"/>
+                </a:solidFill>
+                <a:effectLst/>
+                <a:latin typeface="Arial" panose="020B0604020202020204" pitchFamily="34" charset="0"/>
+                <a:ea typeface="+mn-ea"/>
+                <a:cs typeface="+mn-cs"/>
+              </a:rPr>
+              <a:t>First published:14 March 2012</a:t>
+            </a:r>
+          </a:p>
+          <a:p>
+            <a:r>
+              <a:rPr lang="en-US" sz="1200" b="0" i="0" kern="1200" dirty="0" smtClean="0">
+                <a:solidFill>
+                  <a:schemeClr val="tx1"/>
+                </a:solidFill>
+                <a:effectLst/>
+                <a:latin typeface="Arial" panose="020B0604020202020204" pitchFamily="34" charset="0"/>
+                <a:ea typeface="+mn-ea"/>
+                <a:cs typeface="+mn-cs"/>
+              </a:rPr>
+              <a:t>Print ISBN:9780470405390 |Online ISBN:9781118131473 |DOI:10.1002/9781118131473</a:t>
+            </a:r>
+          </a:p>
+          <a:p>
+            <a:r>
+              <a:rPr lang="en-US" sz="1200" b="0" i="0" kern="1200" dirty="0" smtClean="0">
+                <a:solidFill>
+                  <a:schemeClr val="tx1"/>
+                </a:solidFill>
+                <a:effectLst/>
+                <a:latin typeface="Arial" panose="020B0604020202020204" pitchFamily="34" charset="0"/>
+                <a:ea typeface="+mn-ea"/>
+                <a:cs typeface="+mn-cs"/>
+              </a:rPr>
+              <a:t>Copyright © 2012 John Wiley &amp; Sons, Inc</a:t>
+            </a:r>
+            <a:r>
+              <a:rPr lang="en-US" sz="1200" b="0" i="0" kern="1200" dirty="0" smtClean="0">
+                <a:solidFill>
+                  <a:schemeClr val="tx1"/>
+                </a:solidFill>
+                <a:effectLst/>
+                <a:latin typeface="Arial" panose="020B0604020202020204" pitchFamily="34" charset="0"/>
+                <a:ea typeface="+mn-ea"/>
+                <a:cs typeface="+mn-cs"/>
+              </a:rPr>
+              <a:t>.</a:t>
+            </a:r>
+          </a:p>
+          <a:p>
+            <a:endParaRPr lang="en-US" sz="1200" b="0" i="0" kern="1200" dirty="0" smtClean="0">
+              <a:solidFill>
+                <a:schemeClr val="tx1"/>
+              </a:solidFill>
+              <a:effectLst/>
+              <a:latin typeface="Arial" panose="020B0604020202020204" pitchFamily="34" charset="0"/>
+              <a:ea typeface="+mn-ea"/>
+              <a:cs typeface="+mn-cs"/>
+            </a:endParaRPr>
+          </a:p>
+          <a:p>
+            <a:r>
+              <a:rPr lang="en-US" dirty="0" smtClean="0">
+                <a:hlinkClick r:id="rId8"/>
+              </a:rPr>
+              <a:t>https://www.researchgate.net/figure/SEM-micrographs-willow-tree-legs-based-activated-carbon-500_fig1_258132582</a:t>
+            </a:r>
+            <a:endParaRPr lang="en-US" sz="1200" b="0" i="0" kern="1200" dirty="0" smtClean="0">
+              <a:solidFill>
+                <a:schemeClr val="tx1"/>
+              </a:solidFill>
+              <a:effectLst/>
+              <a:latin typeface="Arial" panose="020B0604020202020204" pitchFamily="34" charset="0"/>
+              <a:ea typeface="+mn-ea"/>
+              <a:cs typeface="+mn-cs"/>
+            </a:endParaRPr>
+          </a:p>
+          <a:p>
+            <a:endParaRPr lang="en-US" dirty="0"/>
+          </a:p>
+        </p:txBody>
+      </p:sp>
+      <p:sp>
+        <p:nvSpPr>
+          <p:cNvPr id="4" name="Slide Number Placeholder 3"/>
+          <p:cNvSpPr>
+            <a:spLocks noGrp="1"/>
+          </p:cNvSpPr>
+          <p:nvPr>
+            <p:ph type="sldNum" sz="quarter" idx="10"/>
+          </p:nvPr>
+        </p:nvSpPr>
+        <p:spPr/>
+        <p:txBody>
+          <a:bodyPr/>
+          <a:lstStyle/>
+          <a:p>
+            <a:fld id="{3D00F399-3917-48B7-B7DC-B9AA3C59F2C2}" type="slidenum">
+              <a:rPr lang="en-US" altLang="en-US" smtClean="0"/>
+              <a:pPr/>
+              <a:t>6</a:t>
+            </a:fld>
+            <a:endParaRPr lang="en-US" altLang="en-US"/>
+          </a:p>
+        </p:txBody>
+      </p:sp>
+    </p:spTree>
+    <p:extLst>
+      <p:ext uri="{BB962C8B-B14F-4D97-AF65-F5344CB8AC3E}">
+        <p14:creationId xmlns:p14="http://schemas.microsoft.com/office/powerpoint/2010/main" val="1525942513"/>
+      </p:ext>
+    </p:extLst>
+  </p:cSld>
+  <p:clrMapOvr>
+    <a:masterClrMapping/>
+  </p:clrMapOvr>
+</p:notes>
+</file>
+
+<file path=ppt/notesSlides/notesSlide5.xml><?xml version="1.0" encoding="utf-8"?>
+<p:notes xmlns:a="http://schemas.openxmlformats.org/drawingml/2006/main" xmlns:r="http://schemas.openxmlformats.org/officeDocument/2006/relationships" xmlns:p="http://schemas.openxmlformats.org/presentationml/2006/main">
+  <p:cSld>
+    <p:spTree>
+      <p:nvGrpSpPr>
+        <p:cNvPr id="1" name=""/>
+        <p:cNvGrpSpPr/>
+        <p:nvPr/>
+      </p:nvGrpSpPr>
+      <p:grpSpPr>
+        <a:xfrm>
+          <a:off x="0" y="0"/>
+          <a:ext cx="0" cy="0"/>
+          <a:chOff x="0" y="0"/>
+          <a:chExt cx="0" cy="0"/>
+        </a:xfrm>
+      </p:grpSpPr>
+      <p:sp>
+        <p:nvSpPr>
+          <p:cNvPr id="7" name="Rectangle 7"/>
+          <p:cNvSpPr>
+            <a:spLocks noGrp="1" noChangeArrowheads="1"/>
+          </p:cNvSpPr>
+          <p:nvPr>
+            <p:ph type="sldNum" sz="quarter" idx="5"/>
+          </p:nvPr>
+        </p:nvSpPr>
+        <p:spPr>
+          <a:ln/>
+        </p:spPr>
+        <p:txBody>
+          <a:bodyPr/>
+          <a:lstStyle/>
+          <a:p>
+            <a:fld id="{B738B887-0F5E-4307-BF49-016D2F5623F8}" type="slidenum">
+              <a:rPr lang="en-US" altLang="en-US"/>
+              <a:pPr/>
+              <a:t>7</a:t>
+            </a:fld>
+            <a:endParaRPr lang="en-US" altLang="en-US"/>
+          </a:p>
+        </p:txBody>
+      </p:sp>
+      <p:sp>
+        <p:nvSpPr>
+          <p:cNvPr id="80898" name="Rectangle 2"/>
+          <p:cNvSpPr>
+            <a:spLocks noGrp="1" noRot="1" noChangeAspect="1" noChangeArrowheads="1" noTextEdit="1"/>
+          </p:cNvSpPr>
+          <p:nvPr>
+            <p:ph type="sldImg"/>
+          </p:nvPr>
+        </p:nvSpPr>
+        <p:spPr>
+          <a:xfrm>
+            <a:off x="457200" y="720725"/>
+            <a:ext cx="6400800" cy="3600450"/>
+          </a:xfrm>
+          <a:ln/>
+        </p:spPr>
+      </p:sp>
+      <p:sp>
+        <p:nvSpPr>
+          <p:cNvPr id="80899" name="Rectangle 3"/>
+          <p:cNvSpPr>
+            <a:spLocks noGrp="1" noChangeArrowheads="1"/>
+          </p:cNvSpPr>
+          <p:nvPr>
+            <p:ph type="body" idx="1"/>
+          </p:nvPr>
+        </p:nvSpPr>
+        <p:spPr/>
+        <p:txBody>
+          <a:bodyPr/>
+          <a:lstStyle/>
+          <a:p>
+            <a:endParaRPr lang="en-US" altLang="en-US"/>
+          </a:p>
+        </p:txBody>
+      </p:sp>
+    </p:spTree>
+    <p:extLst>
+      <p:ext uri="{BB962C8B-B14F-4D97-AF65-F5344CB8AC3E}">
+        <p14:creationId xmlns:p14="http://schemas.microsoft.com/office/powerpoint/2010/main" val="283847485"/>
+      </p:ext>
+    </p:extLst>
+  </p:cSld>
+  <p:clrMapOvr>
+    <a:masterClrMapping/>
+  </p:clrMapOvr>
+</p:notes>
+</file>
+
+<file path=ppt/notesSlides/notesSlide6.xml><?xml version="1.0" encoding="utf-8"?>
+<p:notes xmlns:a="http://schemas.openxmlformats.org/drawingml/2006/main" xmlns:r="http://schemas.openxmlformats.org/officeDocument/2006/relationships" xmlns:p="http://schemas.openxmlformats.org/presentationml/2006/main">
+  <p:cSld>
+    <p:spTree>
+      <p:nvGrpSpPr>
+        <p:cNvPr id="1" name=""/>
+        <p:cNvGrpSpPr/>
+        <p:nvPr/>
+      </p:nvGrpSpPr>
+      <p:grpSpPr>
+        <a:xfrm>
+          <a:off x="0" y="0"/>
+          <a:ext cx="0" cy="0"/>
+          <a:chOff x="0" y="0"/>
+          <a:chExt cx="0" cy="0"/>
+        </a:xfrm>
+      </p:grpSpPr>
+      <p:sp>
+        <p:nvSpPr>
+          <p:cNvPr id="2" name="Slide Image Placeholder 1"/>
+          <p:cNvSpPr>
+            <a:spLocks noGrp="1" noRot="1" noChangeAspect="1"/>
+          </p:cNvSpPr>
+          <p:nvPr>
+            <p:ph type="sldImg"/>
+          </p:nvPr>
+        </p:nvSpPr>
+        <p:spPr>
+          <a:xfrm>
+            <a:off x="457200" y="720725"/>
+            <a:ext cx="6400800" cy="3600450"/>
+          </a:xfrm>
+        </p:spPr>
+      </p:sp>
+      <p:sp>
+        <p:nvSpPr>
+          <p:cNvPr id="3" name="Notes Placeholder 2"/>
+          <p:cNvSpPr>
+            <a:spLocks noGrp="1"/>
+          </p:cNvSpPr>
+          <p:nvPr>
+            <p:ph type="body" idx="1"/>
+          </p:nvPr>
+        </p:nvSpPr>
+        <p:spPr/>
+        <p:txBody>
+          <a:bodyPr/>
+          <a:lstStyle/>
+          <a:p>
+            <a:endParaRPr lang="en-US" dirty="0"/>
+          </a:p>
+        </p:txBody>
+      </p:sp>
+      <p:sp>
+        <p:nvSpPr>
+          <p:cNvPr id="4" name="Slide Number Placeholder 3"/>
+          <p:cNvSpPr>
+            <a:spLocks noGrp="1"/>
+          </p:cNvSpPr>
+          <p:nvPr>
+            <p:ph type="sldNum" sz="quarter" idx="10"/>
+          </p:nvPr>
+        </p:nvSpPr>
+        <p:spPr/>
+        <p:txBody>
+          <a:bodyPr/>
+          <a:lstStyle/>
+          <a:p>
+            <a:fld id="{3D00F399-3917-48B7-B7DC-B9AA3C59F2C2}" type="slidenum">
+              <a:rPr lang="en-US" altLang="en-US" smtClean="0"/>
+              <a:pPr/>
+              <a:t>9</a:t>
             </a:fld>
             <a:endParaRPr lang="en-US" altLang="en-US"/>
           </a:p>
@@ -1346,8 +2052,8 @@
         </p:nvSpPr>
         <p:spPr>
           <a:xfrm>
-            <a:off x="3352800" y="5029200"/>
-            <a:ext cx="3962400" cy="1143000"/>
+            <a:off x="4470400" y="5029200"/>
+            <a:ext cx="5283200" cy="1143000"/>
           </a:xfrm>
         </p:spPr>
         <p:txBody>
@@ -1460,8 +2166,8 @@
         </p:nvSpPr>
         <p:spPr>
           <a:xfrm>
-            <a:off x="1371600" y="990600"/>
-            <a:ext cx="7772400" cy="1470025"/>
+            <a:off x="1828800" y="990603"/>
+            <a:ext cx="10363200" cy="1470025"/>
           </a:xfrm>
           <a:ln w="9525"/>
         </p:spPr>
@@ -1738,8 +2444,8 @@
         </p:nvSpPr>
         <p:spPr>
           <a:xfrm>
-            <a:off x="457200" y="1600200"/>
-            <a:ext cx="4038600" cy="4525963"/>
+            <a:off x="609600" y="1600203"/>
+            <a:ext cx="5384800" cy="4525963"/>
           </a:xfrm>
         </p:spPr>
         <p:txBody>
@@ -1823,8 +2529,8 @@
         </p:nvSpPr>
         <p:spPr>
           <a:xfrm>
-            <a:off x="4648200" y="1600200"/>
-            <a:ext cx="4038600" cy="4525963"/>
+            <a:off x="6197600" y="1600203"/>
+            <a:ext cx="5384800" cy="4525963"/>
           </a:xfrm>
         </p:spPr>
         <p:txBody>
@@ -2015,8 +2721,8 @@
         </p:nvSpPr>
         <p:spPr>
           <a:xfrm>
-            <a:off x="457200" y="274638"/>
-            <a:ext cx="8229600" cy="1143000"/>
+            <a:off x="609600" y="274638"/>
+            <a:ext cx="10972800" cy="1143000"/>
           </a:xfrm>
         </p:spPr>
         <p:txBody>
@@ -2047,8 +2753,8 @@
         </p:nvSpPr>
         <p:spPr>
           <a:xfrm>
-            <a:off x="457200" y="1535113"/>
-            <a:ext cx="4040188" cy="639762"/>
+            <a:off x="609600" y="1535113"/>
+            <a:ext cx="5386917" cy="639762"/>
           </a:xfrm>
         </p:spPr>
         <p:txBody>
@@ -2112,8 +2818,8 @@
         </p:nvSpPr>
         <p:spPr>
           <a:xfrm>
-            <a:off x="457200" y="2174875"/>
-            <a:ext cx="4040188" cy="3951288"/>
+            <a:off x="609600" y="2174875"/>
+            <a:ext cx="5386917" cy="3951288"/>
           </a:xfrm>
         </p:spPr>
         <p:txBody>
@@ -2197,8 +2903,8 @@
         </p:nvSpPr>
         <p:spPr>
           <a:xfrm>
-            <a:off x="4645025" y="1535113"/>
-            <a:ext cx="4041775" cy="639762"/>
+            <a:off x="6193369" y="1535113"/>
+            <a:ext cx="5389033" cy="639762"/>
           </a:xfrm>
         </p:spPr>
         <p:txBody>
@@ -2262,8 +2968,8 @@
         </p:nvSpPr>
         <p:spPr>
           <a:xfrm>
-            <a:off x="4645025" y="2174875"/>
-            <a:ext cx="4041775" cy="3951288"/>
+            <a:off x="6193369" y="2174875"/>
+            <a:ext cx="5389033" cy="3951288"/>
           </a:xfrm>
         </p:spPr>
         <p:txBody>
@@ -2691,8 +3397,8 @@
         </p:nvSpPr>
         <p:spPr>
           <a:xfrm>
-            <a:off x="3352800" y="5029200"/>
-            <a:ext cx="3962400" cy="1143000"/>
+            <a:off x="4470400" y="5029200"/>
+            <a:ext cx="5283200" cy="1143000"/>
           </a:xfrm>
         </p:spPr>
         <p:txBody>
@@ -2816,8 +3522,8 @@
         </p:nvSpPr>
         <p:spPr>
           <a:xfrm>
-            <a:off x="1371600" y="990600"/>
-            <a:ext cx="7772400" cy="1470025"/>
+            <a:off x="1828800" y="990603"/>
+            <a:ext cx="10363200" cy="1470025"/>
           </a:xfrm>
           <a:ln w="9525"/>
         </p:spPr>
@@ -3105,8 +3811,8 @@
         </p:nvSpPr>
         <p:spPr>
           <a:xfrm>
-            <a:off x="457200" y="1600200"/>
-            <a:ext cx="4038600" cy="4525963"/>
+            <a:off x="609600" y="1600203"/>
+            <a:ext cx="5384800" cy="4525963"/>
           </a:xfrm>
         </p:spPr>
         <p:txBody>
@@ -3190,8 +3896,8 @@
         </p:nvSpPr>
         <p:spPr>
           <a:xfrm>
-            <a:off x="4648200" y="1600200"/>
-            <a:ext cx="4038600" cy="4525963"/>
+            <a:off x="6197600" y="1600203"/>
+            <a:ext cx="5384800" cy="4525963"/>
           </a:xfrm>
         </p:spPr>
         <p:txBody>
@@ -3393,8 +4099,8 @@
         </p:nvSpPr>
         <p:spPr>
           <a:xfrm>
-            <a:off x="457200" y="274638"/>
-            <a:ext cx="8229600" cy="1143000"/>
+            <a:off x="609600" y="274638"/>
+            <a:ext cx="10972800" cy="1143000"/>
           </a:xfrm>
         </p:spPr>
         <p:txBody>
@@ -3425,8 +4131,8 @@
         </p:nvSpPr>
         <p:spPr>
           <a:xfrm>
-            <a:off x="457200" y="1535113"/>
-            <a:ext cx="4040188" cy="639762"/>
+            <a:off x="609600" y="1535113"/>
+            <a:ext cx="5386917" cy="639762"/>
           </a:xfrm>
         </p:spPr>
         <p:txBody>
@@ -3490,8 +4196,8 @@
         </p:nvSpPr>
         <p:spPr>
           <a:xfrm>
-            <a:off x="457200" y="2174875"/>
-            <a:ext cx="4040188" cy="3951288"/>
+            <a:off x="609600" y="2174875"/>
+            <a:ext cx="5386917" cy="3951288"/>
           </a:xfrm>
         </p:spPr>
         <p:txBody>
@@ -3575,8 +4281,8 @@
         </p:nvSpPr>
         <p:spPr>
           <a:xfrm>
-            <a:off x="4645025" y="1535113"/>
-            <a:ext cx="4041775" cy="639762"/>
+            <a:off x="6193369" y="1535113"/>
+            <a:ext cx="5389033" cy="639762"/>
           </a:xfrm>
         </p:spPr>
         <p:txBody>
@@ -3640,8 +4346,8 @@
         </p:nvSpPr>
         <p:spPr>
           <a:xfrm>
-            <a:off x="4645025" y="2174875"/>
-            <a:ext cx="4041775" cy="3951288"/>
+            <a:off x="6193369" y="2174875"/>
+            <a:ext cx="5389033" cy="3951288"/>
           </a:xfrm>
         </p:spPr>
         <p:txBody>
@@ -4284,8 +4990,8 @@
         </p:nvSpPr>
         <p:spPr>
           <a:xfrm>
-            <a:off x="216000" y="475200"/>
-            <a:ext cx="7200000" cy="432000"/>
+            <a:off x="288000" y="475200"/>
+            <a:ext cx="9600000" cy="432000"/>
           </a:xfrm>
         </p:spPr>
         <p:txBody>
@@ -4312,8 +5018,8 @@
         </p:nvSpPr>
         <p:spPr>
           <a:xfrm>
-            <a:off x="457200" y="6633376"/>
-            <a:ext cx="2133600" cy="180000"/>
+            <a:off x="609600" y="6633376"/>
+            <a:ext cx="2844800" cy="180000"/>
           </a:xfrm>
           <a:prstGeom prst="rect">
             <a:avLst/>
@@ -4347,8 +5053,8 @@
         </p:nvSpPr>
         <p:spPr>
           <a:xfrm>
-            <a:off x="3124200" y="6633376"/>
-            <a:ext cx="2895600" cy="180000"/>
+            <a:off x="4165600" y="6633376"/>
+            <a:ext cx="3860800" cy="180000"/>
           </a:xfrm>
           <a:prstGeom prst="rect">
             <a:avLst/>
@@ -4378,8 +5084,8 @@
         </p:nvSpPr>
         <p:spPr>
           <a:xfrm>
-            <a:off x="6553200" y="6633376"/>
-            <a:ext cx="2133600" cy="180000"/>
+            <a:off x="8737600" y="6633376"/>
+            <a:ext cx="2844800" cy="180000"/>
           </a:xfrm>
           <a:prstGeom prst="rect">
             <a:avLst/>
@@ -4414,8 +5120,8 @@
         </p:nvSpPr>
         <p:spPr>
           <a:xfrm>
-            <a:off x="216000" y="908720"/>
-            <a:ext cx="8229600" cy="432000"/>
+            <a:off x="288000" y="908720"/>
+            <a:ext cx="10972800" cy="432000"/>
           </a:xfrm>
         </p:spPr>
         <p:txBody>
@@ -4449,8 +5155,8 @@
         </p:nvSpPr>
         <p:spPr>
           <a:xfrm>
-            <a:off x="7596188" y="476250"/>
-            <a:ext cx="1296000" cy="431800"/>
+            <a:off x="10128251" y="476250"/>
+            <a:ext cx="1728000" cy="431800"/>
           </a:xfrm>
         </p:spPr>
         <p:txBody>
@@ -4537,8 +5243,8 @@
         </p:nvSpPr>
         <p:spPr>
           <a:xfrm>
-            <a:off x="3352800" y="5029200"/>
-            <a:ext cx="3962400" cy="1143000"/>
+            <a:off x="4470400" y="5029200"/>
+            <a:ext cx="5283200" cy="1143000"/>
           </a:xfrm>
         </p:spPr>
         <p:txBody>
@@ -4662,8 +5368,8 @@
         </p:nvSpPr>
         <p:spPr>
           <a:xfrm>
-            <a:off x="1371600" y="990600"/>
-            <a:ext cx="7772400" cy="1470025"/>
+            <a:off x="1828800" y="990603"/>
+            <a:ext cx="10363200" cy="1470025"/>
           </a:xfrm>
           <a:ln w="9525"/>
         </p:spPr>
@@ -4951,8 +5657,8 @@
         </p:nvSpPr>
         <p:spPr>
           <a:xfrm>
-            <a:off x="457200" y="1600200"/>
-            <a:ext cx="4038600" cy="4525963"/>
+            <a:off x="609600" y="1600203"/>
+            <a:ext cx="5384800" cy="4525963"/>
           </a:xfrm>
         </p:spPr>
         <p:txBody>
@@ -5036,8 +5742,8 @@
         </p:nvSpPr>
         <p:spPr>
           <a:xfrm>
-            <a:off x="4648200" y="1600200"/>
-            <a:ext cx="4038600" cy="4525963"/>
+            <a:off x="6197600" y="1600203"/>
+            <a:ext cx="5384800" cy="4525963"/>
           </a:xfrm>
         </p:spPr>
         <p:txBody>
@@ -5239,8 +5945,8 @@
         </p:nvSpPr>
         <p:spPr>
           <a:xfrm>
-            <a:off x="457200" y="274638"/>
-            <a:ext cx="8229600" cy="1143000"/>
+            <a:off x="609600" y="274638"/>
+            <a:ext cx="10972800" cy="1143000"/>
           </a:xfrm>
         </p:spPr>
         <p:txBody>
@@ -5271,8 +5977,8 @@
         </p:nvSpPr>
         <p:spPr>
           <a:xfrm>
-            <a:off x="457200" y="1535113"/>
-            <a:ext cx="4040188" cy="639762"/>
+            <a:off x="609600" y="1535113"/>
+            <a:ext cx="5386917" cy="639762"/>
           </a:xfrm>
         </p:spPr>
         <p:txBody>
@@ -5336,8 +6042,8 @@
         </p:nvSpPr>
         <p:spPr>
           <a:xfrm>
-            <a:off x="457200" y="2174875"/>
-            <a:ext cx="4040188" cy="3951288"/>
+            <a:off x="609600" y="2174875"/>
+            <a:ext cx="5386917" cy="3951288"/>
           </a:xfrm>
         </p:spPr>
         <p:txBody>
@@ -5421,8 +6127,8 @@
         </p:nvSpPr>
         <p:spPr>
           <a:xfrm>
-            <a:off x="4645025" y="1535113"/>
-            <a:ext cx="4041775" cy="639762"/>
+            <a:off x="6193369" y="1535113"/>
+            <a:ext cx="5389033" cy="639762"/>
           </a:xfrm>
         </p:spPr>
         <p:txBody>
@@ -5486,8 +6192,8 @@
         </p:nvSpPr>
         <p:spPr>
           <a:xfrm>
-            <a:off x="4645025" y="2174875"/>
-            <a:ext cx="4041775" cy="3951288"/>
+            <a:off x="6193369" y="2174875"/>
+            <a:ext cx="5389033" cy="3951288"/>
           </a:xfrm>
         </p:spPr>
         <p:txBody>
@@ -5971,8 +6677,8 @@
         </p:nvSpPr>
         <p:spPr>
           <a:xfrm>
-            <a:off x="457200" y="1600200"/>
-            <a:ext cx="4038600" cy="4525963"/>
+            <a:off x="609600" y="1600203"/>
+            <a:ext cx="5384800" cy="4525963"/>
           </a:xfrm>
         </p:spPr>
         <p:txBody>
@@ -6056,8 +6762,8 @@
         </p:nvSpPr>
         <p:spPr>
           <a:xfrm>
-            <a:off x="4648200" y="1600200"/>
-            <a:ext cx="4038600" cy="4525963"/>
+            <a:off x="6197600" y="1600203"/>
+            <a:ext cx="5384800" cy="4525963"/>
           </a:xfrm>
         </p:spPr>
         <p:txBody>
@@ -6248,8 +6954,8 @@
         </p:nvSpPr>
         <p:spPr>
           <a:xfrm>
-            <a:off x="457200" y="274638"/>
-            <a:ext cx="8229600" cy="1143000"/>
+            <a:off x="609600" y="274638"/>
+            <a:ext cx="10972800" cy="1143000"/>
           </a:xfrm>
         </p:spPr>
         <p:txBody>
@@ -6280,8 +6986,8 @@
         </p:nvSpPr>
         <p:spPr>
           <a:xfrm>
-            <a:off x="457200" y="1535113"/>
-            <a:ext cx="4040188" cy="639762"/>
+            <a:off x="609600" y="1535113"/>
+            <a:ext cx="5386917" cy="639762"/>
           </a:xfrm>
         </p:spPr>
         <p:txBody>
@@ -6345,8 +7051,8 @@
         </p:nvSpPr>
         <p:spPr>
           <a:xfrm>
-            <a:off x="457200" y="2174875"/>
-            <a:ext cx="4040188" cy="3951288"/>
+            <a:off x="609600" y="2174875"/>
+            <a:ext cx="5386917" cy="3951288"/>
           </a:xfrm>
         </p:spPr>
         <p:txBody>
@@ -6430,8 +7136,8 @@
         </p:nvSpPr>
         <p:spPr>
           <a:xfrm>
-            <a:off x="4645025" y="1535113"/>
-            <a:ext cx="4041775" cy="639762"/>
+            <a:off x="6193369" y="1535113"/>
+            <a:ext cx="5389033" cy="639762"/>
           </a:xfrm>
         </p:spPr>
         <p:txBody>
@@ -6495,8 +7201,8 @@
         </p:nvSpPr>
         <p:spPr>
           <a:xfrm>
-            <a:off x="4645025" y="2174875"/>
-            <a:ext cx="4041775" cy="3951288"/>
+            <a:off x="6193369" y="2174875"/>
+            <a:ext cx="5389033" cy="3951288"/>
           </a:xfrm>
         </p:spPr>
         <p:txBody>
@@ -6924,8 +7630,8 @@
         </p:nvSpPr>
         <p:spPr>
           <a:xfrm>
-            <a:off x="685800" y="304800"/>
-            <a:ext cx="7772400" cy="1143000"/>
+            <a:off x="914400" y="304800"/>
+            <a:ext cx="10363200" cy="1143000"/>
           </a:xfrm>
         </p:spPr>
         <p:txBody>
@@ -6952,8 +7658,8 @@
         </p:nvSpPr>
         <p:spPr>
           <a:xfrm>
-            <a:off x="685800" y="1981200"/>
-            <a:ext cx="3810000" cy="4114800"/>
+            <a:off x="914400" y="1981200"/>
+            <a:ext cx="5080000" cy="4114800"/>
           </a:xfrm>
         </p:spPr>
         <p:txBody>
@@ -7009,8 +7715,8 @@
         </p:nvSpPr>
         <p:spPr>
           <a:xfrm>
-            <a:off x="4648200" y="1981200"/>
-            <a:ext cx="3810000" cy="1981200"/>
+            <a:off x="6197600" y="1981200"/>
+            <a:ext cx="5080000" cy="1981200"/>
           </a:xfrm>
         </p:spPr>
         <p:txBody>
@@ -7066,8 +7772,8 @@
         </p:nvSpPr>
         <p:spPr>
           <a:xfrm>
-            <a:off x="4648200" y="4114800"/>
-            <a:ext cx="3810000" cy="1981200"/>
+            <a:off x="6197600" y="4114800"/>
+            <a:ext cx="5080000" cy="1981200"/>
           </a:xfrm>
         </p:spPr>
         <p:txBody>
@@ -7123,8 +7829,8 @@
         </p:nvSpPr>
         <p:spPr>
           <a:xfrm>
-            <a:off x="685800" y="6248400"/>
-            <a:ext cx="1905000" cy="457200"/>
+            <a:off x="914400" y="6248400"/>
+            <a:ext cx="2540000" cy="457200"/>
           </a:xfrm>
         </p:spPr>
         <p:txBody>
@@ -7151,8 +7857,8 @@
         </p:nvSpPr>
         <p:spPr>
           <a:xfrm>
-            <a:off x="3124200" y="6248400"/>
-            <a:ext cx="2895600" cy="457200"/>
+            <a:off x="4165600" y="6248400"/>
+            <a:ext cx="3860800" cy="457200"/>
           </a:xfrm>
         </p:spPr>
         <p:txBody>
@@ -7179,8 +7885,8 @@
         </p:nvSpPr>
         <p:spPr>
           <a:xfrm>
-            <a:off x="6553200" y="6248400"/>
-            <a:ext cx="1905000" cy="457200"/>
+            <a:off x="8737600" y="6248400"/>
+            <a:ext cx="2540000" cy="457200"/>
           </a:xfrm>
         </p:spPr>
         <p:txBody>
@@ -7242,8 +7948,8 @@
         </p:nvSpPr>
         <p:spPr>
           <a:xfrm>
-            <a:off x="685800" y="304800"/>
-            <a:ext cx="7772400" cy="1143000"/>
+            <a:off x="914400" y="304800"/>
+            <a:ext cx="10363200" cy="1143000"/>
           </a:xfrm>
         </p:spPr>
         <p:txBody>
@@ -7270,8 +7976,8 @@
         </p:nvSpPr>
         <p:spPr>
           <a:xfrm>
-            <a:off x="685800" y="1981200"/>
-            <a:ext cx="3810000" cy="4114800"/>
+            <a:off x="914400" y="1981200"/>
+            <a:ext cx="5080000" cy="4114800"/>
           </a:xfrm>
         </p:spPr>
         <p:txBody>
@@ -7327,8 +8033,8 @@
         </p:nvSpPr>
         <p:spPr>
           <a:xfrm>
-            <a:off x="4648200" y="1981200"/>
-            <a:ext cx="3810000" cy="4114800"/>
+            <a:off x="6197600" y="1981200"/>
+            <a:ext cx="5080000" cy="4114800"/>
           </a:xfrm>
         </p:spPr>
         <p:txBody>
@@ -7384,8 +8090,8 @@
         </p:nvSpPr>
         <p:spPr>
           <a:xfrm>
-            <a:off x="685800" y="6248400"/>
-            <a:ext cx="1905000" cy="457200"/>
+            <a:off x="914400" y="6248400"/>
+            <a:ext cx="2540000" cy="457200"/>
           </a:xfrm>
         </p:spPr>
         <p:txBody>
@@ -7412,8 +8118,8 @@
         </p:nvSpPr>
         <p:spPr>
           <a:xfrm>
-            <a:off x="3124200" y="6248400"/>
-            <a:ext cx="2895600" cy="457200"/>
+            <a:off x="4165600" y="6248400"/>
+            <a:ext cx="3860800" cy="457200"/>
           </a:xfrm>
         </p:spPr>
         <p:txBody>
@@ -7440,8 +8146,8 @@
         </p:nvSpPr>
         <p:spPr>
           <a:xfrm>
-            <a:off x="6553200" y="6248400"/>
-            <a:ext cx="1905000" cy="457200"/>
+            <a:off x="8737600" y="6248400"/>
+            <a:ext cx="2540000" cy="457200"/>
           </a:xfrm>
         </p:spPr>
         <p:txBody>
@@ -7503,8 +8209,8 @@
         </p:nvSpPr>
         <p:spPr>
           <a:xfrm>
-            <a:off x="3352800" y="5029200"/>
-            <a:ext cx="3962400" cy="1143000"/>
+            <a:off x="4470400" y="5029200"/>
+            <a:ext cx="5283200" cy="1143000"/>
           </a:xfrm>
         </p:spPr>
         <p:txBody>
@@ -7617,8 +8323,8 @@
         </p:nvSpPr>
         <p:spPr>
           <a:xfrm>
-            <a:off x="1371600" y="990600"/>
-            <a:ext cx="7772400" cy="1470025"/>
+            <a:off x="1828800" y="990603"/>
+            <a:ext cx="10363200" cy="1470025"/>
           </a:xfrm>
           <a:ln w="9525"/>
         </p:spPr>
@@ -7698,8 +8404,8 @@
         </p:nvSpPr>
         <p:spPr bwMode="auto">
           <a:xfrm>
-            <a:off x="457200" y="228600"/>
-            <a:ext cx="8458200" cy="1143000"/>
+            <a:off x="609600" y="228600"/>
+            <a:ext cx="11277600" cy="1143000"/>
           </a:xfrm>
           <a:prstGeom prst="rect">
             <a:avLst/>
@@ -7742,8 +8448,8 @@
         </p:nvSpPr>
         <p:spPr bwMode="auto">
           <a:xfrm>
-            <a:off x="457200" y="1600200"/>
-            <a:ext cx="8229600" cy="4525963"/>
+            <a:off x="609600" y="1600203"/>
+            <a:ext cx="10972800" cy="4525963"/>
           </a:xfrm>
           <a:prstGeom prst="rect">
             <a:avLst/>
@@ -7814,8 +8520,8 @@
         </p:nvSpPr>
         <p:spPr bwMode="auto">
           <a:xfrm>
-            <a:off x="457200" y="6245225"/>
-            <a:ext cx="2133600" cy="476250"/>
+            <a:off x="609600" y="6245225"/>
+            <a:ext cx="2844800" cy="476250"/>
           </a:xfrm>
           <a:prstGeom prst="rect">
             <a:avLst/>
@@ -7859,8 +8565,8 @@
         </p:nvSpPr>
         <p:spPr bwMode="auto">
           <a:xfrm>
-            <a:off x="3124200" y="6245225"/>
-            <a:ext cx="2895600" cy="476250"/>
+            <a:off x="4165600" y="6245225"/>
+            <a:ext cx="3860800" cy="476250"/>
           </a:xfrm>
           <a:prstGeom prst="rect">
             <a:avLst/>
@@ -7904,8 +8610,8 @@
         </p:nvSpPr>
         <p:spPr bwMode="auto">
           <a:xfrm>
-            <a:off x="6553200" y="6245225"/>
-            <a:ext cx="2133600" cy="476250"/>
+            <a:off x="8737600" y="6245225"/>
+            <a:ext cx="2844800" cy="476250"/>
           </a:xfrm>
           <a:prstGeom prst="rect">
             <a:avLst/>
@@ -7953,7 +8659,7 @@
         <p:spPr bwMode="auto">
           <a:xfrm>
             <a:off x="0" y="1447800"/>
-            <a:ext cx="9144000" cy="0"/>
+            <a:ext cx="12192000" cy="0"/>
           </a:xfrm>
           <a:prstGeom prst="line">
             <a:avLst/>
@@ -8447,8 +9153,8 @@
         </p:nvSpPr>
         <p:spPr bwMode="auto">
           <a:xfrm>
-            <a:off x="457200" y="228600"/>
-            <a:ext cx="8458200" cy="1143000"/>
+            <a:off x="609600" y="228600"/>
+            <a:ext cx="11277600" cy="1143000"/>
           </a:xfrm>
           <a:prstGeom prst="rect">
             <a:avLst/>
@@ -8491,8 +9197,8 @@
         </p:nvSpPr>
         <p:spPr bwMode="auto">
           <a:xfrm>
-            <a:off x="457200" y="1600200"/>
-            <a:ext cx="8229600" cy="4525963"/>
+            <a:off x="609600" y="1600203"/>
+            <a:ext cx="10972800" cy="4525963"/>
           </a:xfrm>
           <a:prstGeom prst="rect">
             <a:avLst/>
@@ -8563,8 +9269,8 @@
         </p:nvSpPr>
         <p:spPr bwMode="auto">
           <a:xfrm>
-            <a:off x="457200" y="6245225"/>
-            <a:ext cx="2133600" cy="476250"/>
+            <a:off x="609600" y="6245225"/>
+            <a:ext cx="2844800" cy="476250"/>
           </a:xfrm>
           <a:prstGeom prst="rect">
             <a:avLst/>
@@ -8608,8 +9314,8 @@
         </p:nvSpPr>
         <p:spPr bwMode="auto">
           <a:xfrm>
-            <a:off x="3124200" y="6245225"/>
-            <a:ext cx="2895600" cy="476250"/>
+            <a:off x="4165600" y="6245225"/>
+            <a:ext cx="3860800" cy="476250"/>
           </a:xfrm>
           <a:prstGeom prst="rect">
             <a:avLst/>
@@ -8653,8 +9359,8 @@
         </p:nvSpPr>
         <p:spPr bwMode="auto">
           <a:xfrm>
-            <a:off x="6553200" y="6245225"/>
-            <a:ext cx="2133600" cy="476250"/>
+            <a:off x="8737600" y="6245225"/>
+            <a:ext cx="2844800" cy="476250"/>
           </a:xfrm>
           <a:prstGeom prst="rect">
             <a:avLst/>
@@ -8702,7 +9408,7 @@
         <p:spPr bwMode="auto">
           <a:xfrm>
             <a:off x="0" y="1447800"/>
-            <a:ext cx="9144000" cy="0"/>
+            <a:ext cx="12192000" cy="0"/>
           </a:xfrm>
           <a:prstGeom prst="line">
             <a:avLst/>
@@ -9194,8 +9900,8 @@
         </p:nvSpPr>
         <p:spPr bwMode="auto">
           <a:xfrm>
-            <a:off x="457200" y="228600"/>
-            <a:ext cx="8458200" cy="1143000"/>
+            <a:off x="609600" y="228600"/>
+            <a:ext cx="11277600" cy="1143000"/>
           </a:xfrm>
           <a:prstGeom prst="rect">
             <a:avLst/>
@@ -9238,8 +9944,8 @@
         </p:nvSpPr>
         <p:spPr bwMode="auto">
           <a:xfrm>
-            <a:off x="457200" y="1600200"/>
-            <a:ext cx="8229600" cy="4525963"/>
+            <a:off x="609600" y="1600203"/>
+            <a:ext cx="10972800" cy="4525963"/>
           </a:xfrm>
           <a:prstGeom prst="rect">
             <a:avLst/>
@@ -9310,8 +10016,8 @@
         </p:nvSpPr>
         <p:spPr bwMode="auto">
           <a:xfrm>
-            <a:off x="457200" y="6245225"/>
-            <a:ext cx="2133600" cy="476250"/>
+            <a:off x="609600" y="6245225"/>
+            <a:ext cx="2844800" cy="476250"/>
           </a:xfrm>
           <a:prstGeom prst="rect">
             <a:avLst/>
@@ -9358,8 +10064,8 @@
         </p:nvSpPr>
         <p:spPr bwMode="auto">
           <a:xfrm>
-            <a:off x="3124200" y="6245225"/>
-            <a:ext cx="2895600" cy="476250"/>
+            <a:off x="4165600" y="6245225"/>
+            <a:ext cx="3860800" cy="476250"/>
           </a:xfrm>
           <a:prstGeom prst="rect">
             <a:avLst/>
@@ -9406,8 +10112,8 @@
         </p:nvSpPr>
         <p:spPr bwMode="auto">
           <a:xfrm>
-            <a:off x="6553200" y="6245225"/>
-            <a:ext cx="2133600" cy="476250"/>
+            <a:off x="8737600" y="6245225"/>
+            <a:ext cx="2844800" cy="476250"/>
           </a:xfrm>
           <a:prstGeom prst="rect">
             <a:avLst/>
@@ -9460,7 +10166,7 @@
         <p:spPr bwMode="auto">
           <a:xfrm>
             <a:off x="0" y="1447800"/>
-            <a:ext cx="9144000" cy="0"/>
+            <a:ext cx="12192000" cy="0"/>
           </a:xfrm>
           <a:prstGeom prst="line">
             <a:avLst/>
@@ -9953,8 +10659,8 @@
         </p:nvSpPr>
         <p:spPr bwMode="auto">
           <a:xfrm>
-            <a:off x="457200" y="228600"/>
-            <a:ext cx="8458200" cy="1143000"/>
+            <a:off x="609600" y="228600"/>
+            <a:ext cx="11277600" cy="1143000"/>
           </a:xfrm>
           <a:prstGeom prst="rect">
             <a:avLst/>
@@ -9997,8 +10703,8 @@
         </p:nvSpPr>
         <p:spPr bwMode="auto">
           <a:xfrm>
-            <a:off x="457200" y="1600200"/>
-            <a:ext cx="8229600" cy="4525963"/>
+            <a:off x="609600" y="1600203"/>
+            <a:ext cx="10972800" cy="4525963"/>
           </a:xfrm>
           <a:prstGeom prst="rect">
             <a:avLst/>
@@ -10069,8 +10775,8 @@
         </p:nvSpPr>
         <p:spPr bwMode="auto">
           <a:xfrm>
-            <a:off x="457200" y="6245225"/>
-            <a:ext cx="2133600" cy="476250"/>
+            <a:off x="609600" y="6245225"/>
+            <a:ext cx="2844800" cy="476250"/>
           </a:xfrm>
           <a:prstGeom prst="rect">
             <a:avLst/>
@@ -10117,8 +10823,8 @@
         </p:nvSpPr>
         <p:spPr bwMode="auto">
           <a:xfrm>
-            <a:off x="3124200" y="6245225"/>
-            <a:ext cx="2895600" cy="476250"/>
+            <a:off x="4165600" y="6245225"/>
+            <a:ext cx="3860800" cy="476250"/>
           </a:xfrm>
           <a:prstGeom prst="rect">
             <a:avLst/>
@@ -10165,8 +10871,8 @@
         </p:nvSpPr>
         <p:spPr bwMode="auto">
           <a:xfrm>
-            <a:off x="6553200" y="6245225"/>
-            <a:ext cx="2133600" cy="476250"/>
+            <a:off x="8737600" y="6245225"/>
+            <a:ext cx="2844800" cy="476250"/>
           </a:xfrm>
           <a:prstGeom prst="rect">
             <a:avLst/>
@@ -10219,7 +10925,7 @@
         <p:spPr bwMode="auto">
           <a:xfrm>
             <a:off x="0" y="1447800"/>
-            <a:ext cx="9144000" cy="0"/>
+            <a:ext cx="12192000" cy="0"/>
           </a:xfrm>
           <a:prstGeom prst="line">
             <a:avLst/>
@@ -10693,13 +11399,106 @@
       </p:grpSpPr>
       <p:sp>
         <p:nvSpPr>
-          <p:cNvPr id="90114" name="Freeform 90113"/>
+          <p:cNvPr id="90118" name="Rectangle 6"/>
+          <p:cNvSpPr>
+            <a:spLocks noGrp="1" noChangeArrowheads="1"/>
+          </p:cNvSpPr>
+          <p:nvPr>
+            <p:ph type="ctrTitle" sz="quarter"/>
+          </p:nvPr>
+        </p:nvSpPr>
+        <p:spPr>
+          <a:xfrm>
+            <a:off x="2328863" y="366713"/>
+            <a:ext cx="7772400" cy="1143000"/>
+          </a:xfrm>
+        </p:spPr>
+        <p:txBody>
+          <a:bodyPr/>
+          <a:lstStyle/>
+          <a:p>
+            <a:r>
+              <a:rPr lang="en-US" altLang="en-US" dirty="0" smtClean="0"/>
+              <a:t>Carbon Adsorption</a:t>
+            </a:r>
+            <a:endParaRPr lang="en-US" altLang="en-US" dirty="0"/>
+          </a:p>
+        </p:txBody>
+      </p:sp>
+      <p:sp>
+        <p:nvSpPr>
+          <p:cNvPr id="90116" name="Text Box 4"/>
+          <p:cNvSpPr txBox="1">
+            <a:spLocks noChangeArrowheads="1"/>
+          </p:cNvSpPr>
+          <p:nvPr/>
+        </p:nvSpPr>
+        <p:spPr bwMode="auto">
+          <a:xfrm>
+            <a:off x="1524003" y="3"/>
+            <a:ext cx="962025" cy="519113"/>
+          </a:xfrm>
+          <a:prstGeom prst="rect">
+            <a:avLst/>
+          </a:prstGeom>
+          <a:noFill/>
+          <a:ln>
+            <a:noFill/>
+          </a:ln>
+          <a:effectLst/>
+          <a:extLst>
+            <a:ext uri="{909E8E84-426E-40DD-AFC4-6F175D3DCCD1}">
+              <a14:hiddenFill xmlns:a14="http://schemas.microsoft.com/office/drawing/2010/main">
+                <a:solidFill>
+                  <a:schemeClr val="bg1"/>
+                </a:solidFill>
+              </a14:hiddenFill>
+            </a:ext>
+            <a:ext uri="{91240B29-F687-4F45-9708-019B960494DF}">
+              <a14:hiddenLine xmlns:a14="http://schemas.microsoft.com/office/drawing/2010/main" w="12700">
+                <a:solidFill>
+                  <a:schemeClr val="tx1"/>
+                </a:solidFill>
+                <a:miter lim="800000"/>
+                <a:headEnd type="none" w="lg" len="med"/>
+                <a:tailEnd type="none" w="lg" len="med"/>
+              </a14:hiddenLine>
+            </a:ext>
+            <a:ext uri="{AF507438-7753-43E0-B8FC-AC1667EBCBE1}">
+              <a14:hiddenEffects xmlns:a14="http://schemas.microsoft.com/office/drawing/2010/main">
+                <a:effectLst>
+                  <a:outerShdw dist="35921" dir="2700000" algn="ctr" rotWithShape="0">
+                    <a:schemeClr val="bg2"/>
+                  </a:outerShdw>
+                </a:effectLst>
+              </a14:hiddenEffects>
+            </a:ext>
+          </a:extLst>
+        </p:spPr>
+        <p:txBody>
+          <a:bodyPr>
+            <a:spAutoFit/>
+          </a:bodyPr>
+          <a:lstStyle/>
+          <a:p>
+            <a:r>
+              <a:rPr lang="en-US" altLang="en-US">
+                <a:latin typeface="MT Extra" panose="05050102010205020202" pitchFamily="18" charset="2"/>
+              </a:rPr>
+              <a:t>   </a:t>
+            </a:r>
+          </a:p>
+        </p:txBody>
+      </p:sp>
+      <p:sp>
+        <p:nvSpPr>
+          <p:cNvPr id="68" name="Freeform 67"/>
           <p:cNvSpPr/>
           <p:nvPr/>
         </p:nvSpPr>
         <p:spPr>
           <a:xfrm>
-            <a:off x="1729409" y="4194268"/>
+            <a:off x="3688837" y="4525864"/>
             <a:ext cx="447261" cy="119316"/>
           </a:xfrm>
           <a:custGeom>
@@ -10815,102 +11614,9 @@
           </a:p>
         </p:txBody>
       </p:sp>
-      <p:sp>
-        <p:nvSpPr>
-          <p:cNvPr id="90118" name="Rectangle 6"/>
-          <p:cNvSpPr>
-            <a:spLocks noGrp="1" noChangeArrowheads="1"/>
-          </p:cNvSpPr>
-          <p:nvPr>
-            <p:ph type="ctrTitle" sz="quarter"/>
-          </p:nvPr>
-        </p:nvSpPr>
-        <p:spPr>
-          <a:xfrm>
-            <a:off x="804863" y="366713"/>
-            <a:ext cx="7772400" cy="1143000"/>
-          </a:xfrm>
-        </p:spPr>
-        <p:txBody>
-          <a:bodyPr/>
-          <a:lstStyle/>
-          <a:p>
-            <a:r>
-              <a:rPr lang="en-US" altLang="en-US" dirty="0" smtClean="0"/>
-              <a:t>Carbon Adsorption</a:t>
-            </a:r>
-            <a:endParaRPr lang="en-US" altLang="en-US" dirty="0"/>
-          </a:p>
-        </p:txBody>
-      </p:sp>
-      <p:sp>
-        <p:nvSpPr>
-          <p:cNvPr id="90116" name="Text Box 4"/>
-          <p:cNvSpPr txBox="1">
-            <a:spLocks noChangeArrowheads="1"/>
-          </p:cNvSpPr>
-          <p:nvPr/>
-        </p:nvSpPr>
-        <p:spPr bwMode="auto">
-          <a:xfrm>
-            <a:off x="0" y="0"/>
-            <a:ext cx="962025" cy="519113"/>
-          </a:xfrm>
-          <a:prstGeom prst="rect">
-            <a:avLst/>
-          </a:prstGeom>
-          <a:noFill/>
-          <a:ln>
-            <a:noFill/>
-          </a:ln>
-          <a:effectLst/>
-          <a:extLst>
-            <a:ext uri="{909E8E84-426E-40DD-AFC4-6F175D3DCCD1}">
-              <a14:hiddenFill xmlns:a14="http://schemas.microsoft.com/office/drawing/2010/main">
-                <a:solidFill>
-                  <a:schemeClr val="bg1"/>
-                </a:solidFill>
-              </a14:hiddenFill>
-            </a:ext>
-            <a:ext uri="{91240B29-F687-4F45-9708-019B960494DF}">
-              <a14:hiddenLine xmlns:a14="http://schemas.microsoft.com/office/drawing/2010/main" w="12700">
-                <a:solidFill>
-                  <a:schemeClr val="tx1"/>
-                </a:solidFill>
-                <a:miter lim="800000"/>
-                <a:headEnd type="none" w="lg" len="med"/>
-                <a:tailEnd type="none" w="lg" len="med"/>
-              </a14:hiddenLine>
-            </a:ext>
-            <a:ext uri="{AF507438-7753-43E0-B8FC-AC1667EBCBE1}">
-              <a14:hiddenEffects xmlns:a14="http://schemas.microsoft.com/office/drawing/2010/main">
-                <a:effectLst>
-                  <a:outerShdw dist="35921" dir="2700000" algn="ctr" rotWithShape="0">
-                    <a:schemeClr val="bg2"/>
-                  </a:outerShdw>
-                </a:effectLst>
-              </a14:hiddenEffects>
-            </a:ext>
-          </a:extLst>
-        </p:spPr>
-        <p:txBody>
-          <a:bodyPr>
-            <a:spAutoFit/>
-          </a:bodyPr>
-          <a:lstStyle/>
-          <a:p>
-            <a:r>
-              <a:rPr lang="en-US" altLang="en-US">
-                <a:latin typeface="MT Extra" panose="05050102010205020202" pitchFamily="18" charset="2"/>
-              </a:rPr>
-              <a:t>   </a:t>
-            </a:r>
-          </a:p>
-        </p:txBody>
-      </p:sp>
       <p:cxnSp>
         <p:nvCxnSpPr>
-          <p:cNvPr id="7" name="Straight Connector 124"/>
+          <p:cNvPr id="69" name="Straight Connector 124"/>
           <p:cNvCxnSpPr>
             <a:cxnSpLocks noChangeShapeType="1"/>
           </p:cNvCxnSpPr>
@@ -10918,7 +11624,7 @@
         </p:nvCxnSpPr>
         <p:spPr bwMode="auto">
           <a:xfrm flipV="1">
-            <a:off x="5624513" y="1816767"/>
+            <a:off x="7583941" y="2148363"/>
             <a:ext cx="0" cy="696913"/>
           </a:xfrm>
           <a:prstGeom prst="line">
@@ -10954,7 +11660,7 @@
       </p:cxnSp>
       <p:sp>
         <p:nvSpPr>
-          <p:cNvPr id="8" name="Rectangle 4"/>
+          <p:cNvPr id="70" name="Rectangle 4"/>
           <p:cNvSpPr>
             <a:spLocks noChangeArrowheads="1"/>
           </p:cNvSpPr>
@@ -10962,7 +11668,7 @@
         </p:nvSpPr>
         <p:spPr bwMode="auto">
           <a:xfrm>
-            <a:off x="4278313" y="2525713"/>
+            <a:off x="6237741" y="2857309"/>
             <a:ext cx="1346200" cy="2643187"/>
           </a:xfrm>
           <a:prstGeom prst="rect">
@@ -11184,7 +11890,7 @@
       </p:sp>
       <p:grpSp>
         <p:nvGrpSpPr>
-          <p:cNvPr id="9" name="Group 14"/>
+          <p:cNvPr id="74" name="Group 14"/>
           <p:cNvGrpSpPr>
             <a:grpSpLocks/>
           </p:cNvGrpSpPr>
@@ -11192,7 +11898,7 @@
         </p:nvGrpSpPr>
         <p:grpSpPr bwMode="auto">
           <a:xfrm>
-            <a:off x="4838700" y="2776538"/>
+            <a:off x="6798128" y="3108134"/>
             <a:ext cx="207963" cy="2125662"/>
             <a:chOff x="2672" y="1749"/>
             <a:chExt cx="131" cy="1339"/>
@@ -11200,7 +11906,7 @@
         </p:grpSpPr>
         <p:grpSp>
           <p:nvGrpSpPr>
-            <p:cNvPr id="10" name="Group 12"/>
+            <p:cNvPr id="75" name="Group 12"/>
             <p:cNvGrpSpPr>
               <a:grpSpLocks/>
             </p:cNvGrpSpPr>
@@ -11216,7 +11922,7 @@
           </p:grpSpPr>
           <p:pic>
             <p:nvPicPr>
-              <p:cNvPr id="12" name="Picture 10"/>
+              <p:cNvPr id="77" name="Picture 10"/>
               <p:cNvPicPr>
                 <a:picLocks noChangeAspect="1" noChangeArrowheads="1"/>
               </p:cNvPicPr>
@@ -11270,7 +11976,7 @@
           </p:pic>
           <p:pic>
             <p:nvPicPr>
-              <p:cNvPr id="13" name="Picture 11"/>
+              <p:cNvPr id="78" name="Picture 11"/>
               <p:cNvPicPr>
                 <a:picLocks noChangeAspect="1" noChangeArrowheads="1"/>
               </p:cNvPicPr>
@@ -11325,7 +12031,7 @@
         </p:grpSp>
         <p:sp>
           <p:nvSpPr>
-            <p:cNvPr id="11" name="Rectangle 13"/>
+            <p:cNvPr id="76" name="Rectangle 13"/>
             <p:cNvSpPr>
               <a:spLocks noChangeArrowheads="1"/>
             </p:cNvSpPr>
@@ -11547,7 +12253,7 @@
       </p:grpSp>
       <p:sp>
         <p:nvSpPr>
-          <p:cNvPr id="14" name="Rectangle 15"/>
+          <p:cNvPr id="95" name="Rectangle 15"/>
           <p:cNvSpPr>
             <a:spLocks noChangeArrowheads="1"/>
           </p:cNvSpPr>
@@ -11555,7 +12261,7 @@
         </p:nvSpPr>
         <p:spPr bwMode="auto">
           <a:xfrm>
-            <a:off x="4770438" y="2633663"/>
+            <a:off x="6729866" y="2965259"/>
             <a:ext cx="344487" cy="144462"/>
           </a:xfrm>
           <a:prstGeom prst="rect">
@@ -11761,7 +12467,7 @@
       </p:sp>
       <p:sp>
         <p:nvSpPr>
-          <p:cNvPr id="15" name="Rectangle 16"/>
+          <p:cNvPr id="96" name="Rectangle 16"/>
           <p:cNvSpPr>
             <a:spLocks noChangeArrowheads="1"/>
           </p:cNvSpPr>
@@ -11769,7 +12475,7 @@
         </p:nvSpPr>
         <p:spPr bwMode="auto">
           <a:xfrm>
-            <a:off x="4770438" y="4900613"/>
+            <a:off x="6729866" y="5232209"/>
             <a:ext cx="344487" cy="144462"/>
           </a:xfrm>
           <a:prstGeom prst="rect">
@@ -11975,7 +12681,7 @@
       </p:sp>
       <p:grpSp>
         <p:nvGrpSpPr>
-          <p:cNvPr id="16" name="Group 19"/>
+          <p:cNvPr id="97" name="Group 19"/>
           <p:cNvGrpSpPr>
             <a:grpSpLocks/>
           </p:cNvGrpSpPr>
@@ -11983,7 +12689,7 @@
         </p:nvGrpSpPr>
         <p:grpSpPr bwMode="auto">
           <a:xfrm>
-            <a:off x="4835525" y="5041900"/>
+            <a:off x="6794953" y="5373496"/>
             <a:ext cx="207963" cy="144463"/>
             <a:chOff x="2670" y="3176"/>
             <a:chExt cx="131" cy="91"/>
@@ -11991,7 +12697,7 @@
         </p:grpSpPr>
         <p:sp>
           <p:nvSpPr>
-            <p:cNvPr id="17" name="Freeform 17"/>
+            <p:cNvPr id="98" name="Freeform 17"/>
             <p:cNvSpPr>
               <a:spLocks/>
             </p:cNvSpPr>
@@ -12084,7 +12790,7 @@
         </p:sp>
         <p:sp>
           <p:nvSpPr>
-            <p:cNvPr id="18" name="Freeform 18"/>
+            <p:cNvPr id="99" name="Freeform 18"/>
             <p:cNvSpPr>
               <a:spLocks/>
             </p:cNvSpPr>
@@ -12178,7 +12884,7 @@
       </p:grpSp>
       <p:grpSp>
         <p:nvGrpSpPr>
-          <p:cNvPr id="19" name="Group 22"/>
+          <p:cNvPr id="100" name="Group 22"/>
           <p:cNvGrpSpPr>
             <a:grpSpLocks/>
           </p:cNvGrpSpPr>
@@ -12186,7 +12892,7 @@
         </p:nvGrpSpPr>
         <p:grpSpPr bwMode="auto">
           <a:xfrm>
-            <a:off x="4838700" y="2492375"/>
+            <a:off x="6798128" y="2823971"/>
             <a:ext cx="207963" cy="142875"/>
             <a:chOff x="2672" y="1570"/>
             <a:chExt cx="131" cy="90"/>
@@ -12194,7 +12900,7 @@
         </p:grpSpPr>
         <p:sp>
           <p:nvSpPr>
-            <p:cNvPr id="20" name="Rectangle 20"/>
+            <p:cNvPr id="101" name="Rectangle 20"/>
             <p:cNvSpPr>
               <a:spLocks noChangeArrowheads="1"/>
             </p:cNvSpPr>
@@ -12408,7 +13114,7 @@
         </p:sp>
         <p:sp>
           <p:nvSpPr>
-            <p:cNvPr id="21" name="Rectangle 21"/>
+            <p:cNvPr id="102" name="Rectangle 21"/>
             <p:cNvSpPr>
               <a:spLocks noChangeArrowheads="1"/>
             </p:cNvSpPr>
@@ -12623,7 +13329,7 @@
       </p:grpSp>
       <p:grpSp>
         <p:nvGrpSpPr>
-          <p:cNvPr id="28" name="Group 50"/>
+          <p:cNvPr id="103" name="Group 50"/>
           <p:cNvGrpSpPr>
             <a:grpSpLocks/>
           </p:cNvGrpSpPr>
@@ -12631,7 +13337,7 @@
         </p:nvGrpSpPr>
         <p:grpSpPr bwMode="auto">
           <a:xfrm rot="5400000">
-            <a:off x="3515070" y="3731393"/>
+            <a:off x="5474498" y="4062989"/>
             <a:ext cx="207963" cy="144462"/>
             <a:chOff x="1850" y="2373"/>
             <a:chExt cx="131" cy="91"/>
@@ -12639,7 +13345,7 @@
         </p:grpSpPr>
         <p:sp>
           <p:nvSpPr>
-            <p:cNvPr id="29" name="Rectangle 48"/>
+            <p:cNvPr id="104" name="Rectangle 48"/>
             <p:cNvSpPr>
               <a:spLocks noChangeArrowheads="1"/>
             </p:cNvSpPr>
@@ -12853,7 +13559,7 @@
         </p:sp>
         <p:sp>
           <p:nvSpPr>
-            <p:cNvPr id="30" name="Rectangle 49"/>
+            <p:cNvPr id="105" name="Rectangle 49"/>
             <p:cNvSpPr>
               <a:spLocks noChangeArrowheads="1"/>
             </p:cNvSpPr>
@@ -13068,7 +13774,7 @@
       </p:grpSp>
       <p:grpSp>
         <p:nvGrpSpPr>
-          <p:cNvPr id="45" name="Group 92"/>
+          <p:cNvPr id="106" name="Group 92"/>
           <p:cNvGrpSpPr>
             <a:grpSpLocks/>
           </p:cNvGrpSpPr>
@@ -13076,7 +13782,7 @@
         </p:nvGrpSpPr>
         <p:grpSpPr bwMode="auto">
           <a:xfrm>
-            <a:off x="4892675" y="3271838"/>
+            <a:off x="6852103" y="3603434"/>
             <a:ext cx="165100" cy="850900"/>
             <a:chOff x="2706" y="2061"/>
             <a:chExt cx="104" cy="536"/>
@@ -13084,7 +13790,7 @@
         </p:grpSpPr>
         <p:sp>
           <p:nvSpPr>
-            <p:cNvPr id="46" name="Rectangle 90"/>
+            <p:cNvPr id="107" name="Rectangle 90"/>
             <p:cNvSpPr>
               <a:spLocks noChangeArrowheads="1"/>
             </p:cNvSpPr>
@@ -13305,7 +14011,7 @@
         </p:sp>
         <p:sp>
           <p:nvSpPr>
-            <p:cNvPr id="47" name="Freeform 91"/>
+            <p:cNvPr id="108" name="Freeform 91"/>
             <p:cNvSpPr>
               <a:spLocks/>
             </p:cNvSpPr>
@@ -13396,7 +14102,7 @@
       </p:grpSp>
       <p:sp>
         <p:nvSpPr>
-          <p:cNvPr id="48" name="Rectangle 114"/>
+          <p:cNvPr id="109" name="Rectangle 114"/>
           <p:cNvSpPr>
             <a:spLocks noChangeArrowheads="1"/>
           </p:cNvSpPr>
@@ -13404,7 +14110,7 @@
         </p:nvSpPr>
         <p:spPr bwMode="auto">
           <a:xfrm rot="16200000">
-            <a:off x="4236244" y="3817144"/>
+            <a:off x="6195672" y="4148740"/>
             <a:ext cx="2239962" cy="184150"/>
           </a:xfrm>
           <a:prstGeom prst="rect">
@@ -13634,7 +14340,7 @@
       </p:sp>
       <p:sp>
         <p:nvSpPr>
-          <p:cNvPr id="49" name="Rectangle 115"/>
+          <p:cNvPr id="110" name="Rectangle 115"/>
           <p:cNvSpPr>
             <a:spLocks noChangeArrowheads="1"/>
           </p:cNvSpPr>
@@ -13642,7 +14348,7 @@
         </p:nvSpPr>
         <p:spPr bwMode="auto">
           <a:xfrm rot="16200000">
-            <a:off x="5338762" y="2924176"/>
+            <a:off x="7298190" y="3255772"/>
             <a:ext cx="34925" cy="184150"/>
           </a:xfrm>
           <a:prstGeom prst="rect">
@@ -13872,7 +14578,7 @@
       </p:sp>
       <p:sp>
         <p:nvSpPr>
-          <p:cNvPr id="50" name="Rectangle 116"/>
+          <p:cNvPr id="111" name="Rectangle 116"/>
           <p:cNvSpPr>
             <a:spLocks noChangeArrowheads="1"/>
           </p:cNvSpPr>
@@ -13880,7 +14586,7 @@
         </p:nvSpPr>
         <p:spPr bwMode="auto">
           <a:xfrm rot="16200000">
-            <a:off x="5481637" y="4770438"/>
+            <a:off x="7441065" y="5102034"/>
             <a:ext cx="34925" cy="184150"/>
           </a:xfrm>
           <a:prstGeom prst="rect">
@@ -14110,7 +14816,7 @@
       </p:sp>
       <p:sp>
         <p:nvSpPr>
-          <p:cNvPr id="51" name="Rectangle 117"/>
+          <p:cNvPr id="112" name="Rectangle 117"/>
           <p:cNvSpPr>
             <a:spLocks noChangeArrowheads="1"/>
           </p:cNvSpPr>
@@ -14118,7 +14824,7 @@
         </p:nvSpPr>
         <p:spPr bwMode="auto">
           <a:xfrm>
-            <a:off x="5761038" y="4122465"/>
+            <a:off x="7720466" y="4454061"/>
             <a:ext cx="1250950" cy="805135"/>
           </a:xfrm>
           <a:prstGeom prst="rect">
@@ -14331,7 +15037,7 @@
       </p:sp>
       <p:sp>
         <p:nvSpPr>
-          <p:cNvPr id="52" name="Rectangle 118"/>
+          <p:cNvPr id="113" name="Rectangle 118"/>
           <p:cNvSpPr>
             <a:spLocks noChangeArrowheads="1"/>
           </p:cNvSpPr>
@@ -14339,7 +15045,7 @@
         </p:nvSpPr>
         <p:spPr bwMode="auto">
           <a:xfrm>
-            <a:off x="5691188" y="4051300"/>
+            <a:off x="7650616" y="4382896"/>
             <a:ext cx="1257300" cy="800100"/>
           </a:xfrm>
           <a:prstGeom prst="rect">
@@ -14545,7 +15251,7 @@
       </p:sp>
       <p:sp>
         <p:nvSpPr>
-          <p:cNvPr id="53" name="Rectangle 119"/>
+          <p:cNvPr id="114" name="Rectangle 119"/>
           <p:cNvSpPr>
             <a:spLocks noChangeArrowheads="1"/>
           </p:cNvSpPr>
@@ -14553,7 +15259,7 @@
         </p:nvSpPr>
         <p:spPr bwMode="auto">
           <a:xfrm>
-            <a:off x="6160191" y="4357688"/>
+            <a:off x="8119619" y="4689284"/>
             <a:ext cx="717825" cy="184666"/>
           </a:xfrm>
           <a:prstGeom prst="rect">
@@ -14783,7 +15489,7 @@
       </p:sp>
       <p:sp>
         <p:nvSpPr>
-          <p:cNvPr id="54" name="Rectangle 120"/>
+          <p:cNvPr id="115" name="Rectangle 120"/>
           <p:cNvSpPr>
             <a:spLocks noChangeArrowheads="1"/>
           </p:cNvSpPr>
@@ -14791,7 +15497,7 @@
         </p:nvSpPr>
         <p:spPr bwMode="auto">
           <a:xfrm>
-            <a:off x="6516688" y="4357688"/>
+            <a:off x="8476116" y="4689284"/>
             <a:ext cx="34925" cy="184150"/>
           </a:xfrm>
           <a:prstGeom prst="rect">
@@ -15021,7 +15727,7 @@
       </p:sp>
       <p:sp>
         <p:nvSpPr>
-          <p:cNvPr id="55" name="Rectangle 121"/>
+          <p:cNvPr id="116" name="Rectangle 121"/>
           <p:cNvSpPr>
             <a:spLocks noChangeArrowheads="1"/>
           </p:cNvSpPr>
@@ -15029,7 +15735,7 @@
         </p:nvSpPr>
         <p:spPr bwMode="auto">
           <a:xfrm>
-            <a:off x="6219825" y="4495800"/>
+            <a:off x="8179253" y="4827396"/>
             <a:ext cx="34925" cy="184150"/>
           </a:xfrm>
           <a:prstGeom prst="rect">
@@ -15259,7 +15965,7 @@
       </p:sp>
       <p:sp>
         <p:nvSpPr>
-          <p:cNvPr id="57" name="Rectangle 125"/>
+          <p:cNvPr id="117" name="Rectangle 125"/>
           <p:cNvSpPr>
             <a:spLocks noChangeArrowheads="1"/>
           </p:cNvSpPr>
@@ -15267,7 +15973,7 @@
         </p:nvSpPr>
         <p:spPr bwMode="auto">
           <a:xfrm>
-            <a:off x="6583363" y="4637088"/>
+            <a:off x="8542791" y="4968684"/>
             <a:ext cx="34925" cy="184150"/>
           </a:xfrm>
           <a:prstGeom prst="rect">
@@ -15497,7 +16203,7 @@
       </p:sp>
       <p:grpSp>
         <p:nvGrpSpPr>
-          <p:cNvPr id="60" name="Group 130"/>
+          <p:cNvPr id="118" name="Group 130"/>
           <p:cNvGrpSpPr>
             <a:grpSpLocks/>
           </p:cNvGrpSpPr>
@@ -15505,7 +16211,7 @@
         </p:nvGrpSpPr>
         <p:grpSpPr bwMode="auto">
           <a:xfrm>
-            <a:off x="5761038" y="4378740"/>
+            <a:off x="7720466" y="4710336"/>
             <a:ext cx="206375" cy="142875"/>
             <a:chOff x="3853" y="3627"/>
             <a:chExt cx="130" cy="90"/>
@@ -15513,7 +16219,7 @@
         </p:grpSpPr>
         <p:sp>
           <p:nvSpPr>
-            <p:cNvPr id="61" name="Rectangle 128"/>
+            <p:cNvPr id="119" name="Rectangle 128"/>
             <p:cNvSpPr>
               <a:spLocks noChangeArrowheads="1"/>
             </p:cNvSpPr>
@@ -15727,7 +16433,7 @@
         </p:sp>
         <p:sp>
           <p:nvSpPr>
-            <p:cNvPr id="62" name="Rectangle 129"/>
+            <p:cNvPr id="120" name="Rectangle 129"/>
             <p:cNvSpPr>
               <a:spLocks noChangeArrowheads="1"/>
             </p:cNvSpPr>
@@ -15942,7 +16648,7 @@
       </p:grpSp>
       <p:sp>
         <p:nvSpPr>
-          <p:cNvPr id="63" name="Rectangle 144"/>
+          <p:cNvPr id="121" name="Rectangle 144"/>
           <p:cNvSpPr>
             <a:spLocks noChangeArrowheads="1"/>
           </p:cNvSpPr>
@@ -15950,7 +16656,7 @@
         </p:nvSpPr>
         <p:spPr bwMode="auto">
           <a:xfrm>
-            <a:off x="5440363" y="1627982"/>
+            <a:off x="7399791" y="1959578"/>
             <a:ext cx="501650" cy="184150"/>
           </a:xfrm>
           <a:prstGeom prst="rect">
@@ -16180,7 +16886,7 @@
       </p:sp>
       <p:pic>
         <p:nvPicPr>
-          <p:cNvPr id="64" name="Picture 2" descr="https://lh3.googleusercontent.com/4RoHKTXWW1xDqXUyMRoK9tLS0TGJYjA_PkitlsVSflT69-asylCVgQINJl--w-9ehHOuYwceE2Fw0brVnYr_yVIUc9Yk_YDploELnVSq2Veow0jFQ4XY9gfG7ZzWK88qmhl84FxlWAfQqvVtS0mBRmi4DlEvU_PPRNz8jbNvE7oPAEx0rWu2cUJne-KaNgoB_8V88wq6KhH1rB-6JsMMaFzMNhR7QOSdGhKrS6h_W-9-9CTptCMxPDLwzsCWiDDEuleYpCkLt17dbO3u4I48fgilpDtYmc9kWiJi5-NBlZ9hnEiBhFre0IXO8G32fdxIC2fpSDfZ7XyTgLr1tqKZSjhYpn5kcCyos-tcwYDiTDUNMtOX-zmGaq-414CwctPxJHdGuw6BFH0zPdUrywPeL2PvShw3rn7FjmCKIK3gxAbcaU3xUfJaeYi_ElmJS5H_Axkn0iEbjrTMN0QUKGWOLjvy3oxSgNuN31LghE_0hq1HBEkWlJbdIrF5lrkoKRj3mNon7ksSTxqeX4MGfUlUeYC3wdMHgghToC_O7HLLtzqVUZo41lgvOb3p2fKdmG2hi0sClIsj4eWkuKcJtSQbeA0SF0aTA_E6irOhgxnHoAtQAUZqRF_rxu6zfoJ2XpQ_rXxgkCRBiSUWjh9FOVYFD9MI9g=w927-h854-no"/>
+          <p:cNvPr id="122" name="Picture 2" descr="https://lh3.googleusercontent.com/4RoHKTXWW1xDqXUyMRoK9tLS0TGJYjA_PkitlsVSflT69-asylCVgQINJl--w-9ehHOuYwceE2Fw0brVnYr_yVIUc9Yk_YDploELnVSq2Veow0jFQ4XY9gfG7ZzWK88qmhl84FxlWAfQqvVtS0mBRmi4DlEvU_PPRNz8jbNvE7oPAEx0rWu2cUJne-KaNgoB_8V88wq6KhH1rB-6JsMMaFzMNhR7QOSdGhKrS6h_W-9-9CTptCMxPDLwzsCWiDDEuleYpCkLt17dbO3u4I48fgilpDtYmc9kWiJi5-NBlZ9hnEiBhFre0IXO8G32fdxIC2fpSDfZ7XyTgLr1tqKZSjhYpn5kcCyos-tcwYDiTDUNMtOX-zmGaq-414CwctPxJHdGuw6BFH0zPdUrywPeL2PvShw3rn7FjmCKIK3gxAbcaU3xUfJaeYi_ElmJS5H_Axkn0iEbjrTMN0QUKGWOLjvy3oxSgNuN31LghE_0hq1HBEkWlJbdIrF5lrkoKRj3mNon7ksSTxqeX4MGfUlUeYC3wdMHgghToC_O7HLLtzqVUZo41lgvOb3p2fKdmG2hi0sClIsj4eWkuKcJtSQbeA0SF0aTA_E6irOhgxnHoAtQAUZqRF_rxu6zfoJ2XpQ_rXxgkCRBiSUWjh9FOVYFD9MI9g=w927-h854-no"/>
           <p:cNvPicPr>
             <a:picLocks noChangeAspect="1" noChangeArrowheads="1"/>
           </p:cNvPicPr>
@@ -16199,7 +16905,7 @@
         </p:blipFill>
         <p:spPr bwMode="auto">
           <a:xfrm>
-            <a:off x="5404022" y="2032496"/>
+            <a:off x="7363450" y="2364092"/>
             <a:ext cx="558733" cy="320249"/>
           </a:xfrm>
           <a:prstGeom prst="rect">
@@ -16219,7 +16925,7 @@
       </p:pic>
       <p:pic>
         <p:nvPicPr>
-          <p:cNvPr id="65" name="Picture 2" descr="https://lh3.googleusercontent.com/4RoHKTXWW1xDqXUyMRoK9tLS0TGJYjA_PkitlsVSflT69-asylCVgQINJl--w-9ehHOuYwceE2Fw0brVnYr_yVIUc9Yk_YDploELnVSq2Veow0jFQ4XY9gfG7ZzWK88qmhl84FxlWAfQqvVtS0mBRmi4DlEvU_PPRNz8jbNvE7oPAEx0rWu2cUJne-KaNgoB_8V88wq6KhH1rB-6JsMMaFzMNhR7QOSdGhKrS6h_W-9-9CTptCMxPDLwzsCWiDDEuleYpCkLt17dbO3u4I48fgilpDtYmc9kWiJi5-NBlZ9hnEiBhFre0IXO8G32fdxIC2fpSDfZ7XyTgLr1tqKZSjhYpn5kcCyos-tcwYDiTDUNMtOX-zmGaq-414CwctPxJHdGuw6BFH0zPdUrywPeL2PvShw3rn7FjmCKIK3gxAbcaU3xUfJaeYi_ElmJS5H_Axkn0iEbjrTMN0QUKGWOLjvy3oxSgNuN31LghE_0hq1HBEkWlJbdIrF5lrkoKRj3mNon7ksSTxqeX4MGfUlUeYC3wdMHgghToC_O7HLLtzqVUZo41lgvOb3p2fKdmG2hi0sClIsj4eWkuKcJtSQbeA0SF0aTA_E6irOhgxnHoAtQAUZqRF_rxu6zfoJ2XpQ_rXxgkCRBiSUWjh9FOVYFD9MI9g=w927-h854-no"/>
+          <p:cNvPr id="123" name="Picture 2" descr="https://lh3.googleusercontent.com/4RoHKTXWW1xDqXUyMRoK9tLS0TGJYjA_PkitlsVSflT69-asylCVgQINJl--w-9ehHOuYwceE2Fw0brVnYr_yVIUc9Yk_YDploELnVSq2Veow0jFQ4XY9gfG7ZzWK88qmhl84FxlWAfQqvVtS0mBRmi4DlEvU_PPRNz8jbNvE7oPAEx0rWu2cUJne-KaNgoB_8V88wq6KhH1rB-6JsMMaFzMNhR7QOSdGhKrS6h_W-9-9CTptCMxPDLwzsCWiDDEuleYpCkLt17dbO3u4I48fgilpDtYmc9kWiJi5-NBlZ9hnEiBhFre0IXO8G32fdxIC2fpSDfZ7XyTgLr1tqKZSjhYpn5kcCyos-tcwYDiTDUNMtOX-zmGaq-414CwctPxJHdGuw6BFH0zPdUrywPeL2PvShw3rn7FjmCKIK3gxAbcaU3xUfJaeYi_ElmJS5H_Axkn0iEbjrTMN0QUKGWOLjvy3oxSgNuN31LghE_0hq1HBEkWlJbdIrF5lrkoKRj3mNon7ksSTxqeX4MGfUlUeYC3wdMHgghToC_O7HLLtzqVUZo41lgvOb3p2fKdmG2hi0sClIsj4eWkuKcJtSQbeA0SF0aTA_E6irOhgxnHoAtQAUZqRF_rxu6zfoJ2XpQ_rXxgkCRBiSUWjh9FOVYFD9MI9g=w927-h854-no"/>
           <p:cNvPicPr>
             <a:picLocks noChangeAspect="1" noChangeArrowheads="1"/>
           </p:cNvPicPr>
@@ -16238,7 +16944,7 @@
         </p:blipFill>
         <p:spPr bwMode="auto">
           <a:xfrm>
-            <a:off x="5720661" y="4122737"/>
+            <a:off x="7680089" y="4454333"/>
             <a:ext cx="291995" cy="167363"/>
           </a:xfrm>
           <a:prstGeom prst="rect">
@@ -16258,7 +16964,7 @@
       </p:pic>
       <p:sp>
         <p:nvSpPr>
-          <p:cNvPr id="66" name="Rectangle 119"/>
+          <p:cNvPr id="124" name="Rectangle 119"/>
           <p:cNvSpPr>
             <a:spLocks noChangeArrowheads="1"/>
           </p:cNvSpPr>
@@ -16266,7 +16972,7 @@
         </p:nvSpPr>
         <p:spPr bwMode="auto">
           <a:xfrm>
-            <a:off x="6153567" y="4122465"/>
+            <a:off x="8112995" y="4454061"/>
             <a:ext cx="752642" cy="184666"/>
           </a:xfrm>
           <a:prstGeom prst="rect">
@@ -16496,21 +17202,27 @@
       </p:sp>
       <p:graphicFrame>
         <p:nvGraphicFramePr>
-          <p:cNvPr id="67" name="Object 145"/>
+          <p:cNvPr id="125" name="Object 145"/>
           <p:cNvGraphicFramePr>
             <a:graphicFrameLocks noChangeAspect="1"/>
           </p:cNvGraphicFramePr>
-          <p:nvPr/>
+          <p:nvPr>
+            <p:extLst>
+              <p:ext uri="{D42A27DB-BD31-4B8C-83A1-F6EECF244321}">
+                <p14:modId xmlns:p14="http://schemas.microsoft.com/office/powerpoint/2010/main" val="441889069"/>
+              </p:ext>
+            </p:extLst>
+          </p:nvPr>
         </p:nvGraphicFramePr>
         <p:xfrm>
-          <a:off x="2195513" y="3030538"/>
+          <a:off x="4154941" y="3362134"/>
           <a:ext cx="1122362" cy="815975"/>
         </p:xfrm>
         <a:graphic>
           <a:graphicData uri="http://schemas.openxmlformats.org/presentationml/2006/ole">
             <mc:AlternateContent xmlns:mc="http://schemas.openxmlformats.org/markup-compatibility/2006">
               <mc:Choice xmlns:v="urn:schemas-microsoft-com:vml" Requires="v">
-                <p:oleObj spid="_x0000_s2053" name="Photo Editor Photo" r:id="rId7" imgW="2685714" imgH="1952898" progId="MSPhotoEd.3">
+                <p:oleObj spid="_x0000_s2063" name="Photo Editor Photo" r:id="rId7" imgW="2685714" imgH="1952898" progId="MSPhotoEd.3">
                   <p:embed/>
                 </p:oleObj>
               </mc:Choice>
@@ -16519,7 +17231,7 @@
                   <p:embed/>
                   <p:pic>
                     <p:nvPicPr>
-                      <p:cNvPr id="68" name="Object 145"/>
+                      <p:cNvPr id="67" name="Object 145"/>
                       <p:cNvPicPr>
                         <a:picLocks noChangeAspect="1" noChangeArrowheads="1"/>
                       </p:cNvPicPr>
@@ -16540,7 +17252,7 @@
                     </p:blipFill>
                     <p:spPr bwMode="auto">
                       <a:xfrm>
-                        <a:off x="2195513" y="3030538"/>
+                        <a:off x="4154941" y="3362134"/>
                         <a:ext cx="1122362" cy="815975"/>
                       </a:xfrm>
                       <a:prstGeom prst="rect">
@@ -16589,7 +17301,7 @@
       </p:graphicFrame>
       <p:grpSp>
         <p:nvGrpSpPr>
-          <p:cNvPr id="71" name="Group 154"/>
+          <p:cNvPr id="126" name="Group 154"/>
           <p:cNvGrpSpPr>
             <a:grpSpLocks/>
           </p:cNvGrpSpPr>
@@ -16597,7 +17309,7 @@
         </p:nvGrpSpPr>
         <p:grpSpPr bwMode="auto">
           <a:xfrm rot="10800000">
-            <a:off x="1860530" y="4088882"/>
+            <a:off x="3819958" y="4420478"/>
             <a:ext cx="207963" cy="144462"/>
             <a:chOff x="1850" y="2373"/>
             <a:chExt cx="131" cy="91"/>
@@ -16605,7 +17317,7 @@
         </p:grpSpPr>
         <p:sp>
           <p:nvSpPr>
-            <p:cNvPr id="72" name="Rectangle 155"/>
+            <p:cNvPr id="127" name="Rectangle 155"/>
             <p:cNvSpPr>
               <a:spLocks noChangeArrowheads="1"/>
             </p:cNvSpPr>
@@ -16816,7 +17528,7 @@
         </p:sp>
         <p:sp>
           <p:nvSpPr>
-            <p:cNvPr id="73" name="Rectangle 156"/>
+            <p:cNvPr id="128" name="Rectangle 156"/>
             <p:cNvSpPr>
               <a:spLocks noChangeArrowheads="1"/>
             </p:cNvSpPr>
@@ -17028,7 +17740,7 @@
       </p:grpSp>
       <p:grpSp>
         <p:nvGrpSpPr>
-          <p:cNvPr id="79" name="Group 169"/>
+          <p:cNvPr id="129" name="Group 169"/>
           <p:cNvGrpSpPr>
             <a:grpSpLocks/>
           </p:cNvGrpSpPr>
@@ -17036,7 +17748,7 @@
         </p:nvGrpSpPr>
         <p:grpSpPr bwMode="auto">
           <a:xfrm flipH="1">
-            <a:off x="2094395" y="4108794"/>
+            <a:off x="4053823" y="4440390"/>
             <a:ext cx="820738" cy="974724"/>
             <a:chOff x="548" y="2343"/>
             <a:chExt cx="501" cy="614"/>
@@ -17044,7 +17756,7 @@
         </p:grpSpPr>
         <p:sp>
           <p:nvSpPr>
-            <p:cNvPr id="80" name="Rectangle 170"/>
+            <p:cNvPr id="130" name="Rectangle 170"/>
             <p:cNvSpPr>
               <a:spLocks noChangeArrowheads="1"/>
             </p:cNvSpPr>
@@ -17277,7 +17989,7 @@
         </p:sp>
         <p:sp>
           <p:nvSpPr>
-            <p:cNvPr id="81" name="AutoShape 171"/>
+            <p:cNvPr id="131" name="AutoShape 171"/>
             <p:cNvSpPr>
               <a:spLocks noChangeArrowheads="1"/>
             </p:cNvSpPr>
@@ -17507,7 +18219,7 @@
         </p:sp>
         <p:sp>
           <p:nvSpPr>
-            <p:cNvPr id="82" name="AutoShape 172"/>
+            <p:cNvPr id="132" name="AutoShape 172"/>
             <p:cNvSpPr>
               <a:spLocks noChangeArrowheads="1"/>
             </p:cNvSpPr>
@@ -17737,7 +18449,7 @@
         </p:sp>
         <p:sp>
           <p:nvSpPr>
-            <p:cNvPr id="83" name="Rectangle 173"/>
+            <p:cNvPr id="133" name="Rectangle 173"/>
             <p:cNvSpPr>
               <a:spLocks noChangeArrowheads="1"/>
             </p:cNvSpPr>
@@ -17965,7 +18677,7 @@
         </p:sp>
         <p:sp>
           <p:nvSpPr>
-            <p:cNvPr id="84" name="AutoShape 174"/>
+            <p:cNvPr id="134" name="AutoShape 174"/>
             <p:cNvSpPr>
               <a:spLocks noChangeArrowheads="1"/>
             </p:cNvSpPr>
@@ -18195,7 +18907,7 @@
         </p:sp>
         <p:sp>
           <p:nvSpPr>
-            <p:cNvPr id="85" name="Freeform 175"/>
+            <p:cNvPr id="135" name="Freeform 175"/>
             <p:cNvSpPr>
               <a:spLocks/>
             </p:cNvSpPr>
@@ -18371,7 +19083,7 @@
         </p:sp>
         <p:sp>
           <p:nvSpPr>
-            <p:cNvPr id="86" name="Rectangle 176"/>
+            <p:cNvPr id="136" name="Rectangle 176"/>
             <p:cNvSpPr>
               <a:spLocks noChangeArrowheads="1"/>
             </p:cNvSpPr>
@@ -18614,7 +19326,7 @@
       </p:grpSp>
       <p:grpSp>
         <p:nvGrpSpPr>
-          <p:cNvPr id="87" name="Group 167"/>
+          <p:cNvPr id="137" name="Group 167"/>
           <p:cNvGrpSpPr>
             <a:grpSpLocks/>
           </p:cNvGrpSpPr>
@@ -18622,7 +19334,7 @@
         </p:nvGrpSpPr>
         <p:grpSpPr bwMode="auto">
           <a:xfrm>
-            <a:off x="1018487" y="4129431"/>
+            <a:off x="2977915" y="4461027"/>
             <a:ext cx="795338" cy="954087"/>
             <a:chOff x="548" y="2343"/>
             <a:chExt cx="501" cy="601"/>
@@ -18630,7 +19342,7 @@
         </p:grpSpPr>
         <p:sp>
           <p:nvSpPr>
-            <p:cNvPr id="88" name="Rectangle 9"/>
+            <p:cNvPr id="138" name="Rectangle 9"/>
             <p:cNvSpPr>
               <a:spLocks noChangeArrowheads="1"/>
             </p:cNvSpPr>
@@ -18863,7 +19575,7 @@
         </p:sp>
         <p:sp>
           <p:nvSpPr>
-            <p:cNvPr id="89" name="AutoShape 147"/>
+            <p:cNvPr id="139" name="AutoShape 147"/>
             <p:cNvSpPr>
               <a:spLocks noChangeArrowheads="1"/>
             </p:cNvSpPr>
@@ -19093,7 +19805,7 @@
         </p:sp>
         <p:sp>
           <p:nvSpPr>
-            <p:cNvPr id="90" name="AutoShape 148"/>
+            <p:cNvPr id="140" name="AutoShape 148"/>
             <p:cNvSpPr>
               <a:spLocks noChangeArrowheads="1"/>
             </p:cNvSpPr>
@@ -19325,7 +20037,7 @@
         </p:sp>
         <p:sp>
           <p:nvSpPr>
-            <p:cNvPr id="91" name="Rectangle 149"/>
+            <p:cNvPr id="141" name="Rectangle 149"/>
             <p:cNvSpPr>
               <a:spLocks noChangeArrowheads="1"/>
             </p:cNvSpPr>
@@ -19555,7 +20267,7 @@
         </p:sp>
         <p:sp>
           <p:nvSpPr>
-            <p:cNvPr id="92" name="AutoShape 150"/>
+            <p:cNvPr id="142" name="AutoShape 150"/>
             <p:cNvSpPr>
               <a:spLocks noChangeArrowheads="1"/>
             </p:cNvSpPr>
@@ -19785,7 +20497,7 @@
         </p:sp>
         <p:sp>
           <p:nvSpPr>
-            <p:cNvPr id="93" name="Freeform 151"/>
+            <p:cNvPr id="143" name="Freeform 151"/>
             <p:cNvSpPr>
               <a:spLocks/>
             </p:cNvSpPr>
@@ -19961,7 +20673,7 @@
         </p:sp>
         <p:sp>
           <p:nvSpPr>
-            <p:cNvPr id="94" name="Rectangle 152"/>
+            <p:cNvPr id="144" name="Rectangle 152"/>
             <p:cNvSpPr>
               <a:spLocks noChangeArrowheads="1"/>
             </p:cNvSpPr>
@@ -20200,13 +20912,13 @@
       </p:grpSp>
       <p:sp>
         <p:nvSpPr>
-          <p:cNvPr id="90112" name="Freeform 90111"/>
+          <p:cNvPr id="145" name="Freeform 144"/>
           <p:cNvSpPr/>
           <p:nvPr/>
         </p:nvSpPr>
         <p:spPr>
           <a:xfrm>
-            <a:off x="1948070" y="3806687"/>
+            <a:off x="3907498" y="4138283"/>
             <a:ext cx="258417" cy="288235"/>
           </a:xfrm>
           <a:custGeom>
@@ -20282,13 +20994,13 @@
       </p:sp>
       <p:cxnSp>
         <p:nvCxnSpPr>
-          <p:cNvPr id="90117" name="Straight Connector 90116"/>
+          <p:cNvPr id="146" name="Straight Connector 145"/>
           <p:cNvCxnSpPr/>
           <p:nvPr/>
         </p:nvCxnSpPr>
         <p:spPr>
           <a:xfrm>
-            <a:off x="3309853" y="3808015"/>
+            <a:off x="5269281" y="4139611"/>
             <a:ext cx="239463" cy="0"/>
           </a:xfrm>
           <a:prstGeom prst="line">
@@ -20317,13 +21029,13 @@
       </p:cxnSp>
       <p:sp>
         <p:nvSpPr>
-          <p:cNvPr id="90120" name="Freeform 90119"/>
+          <p:cNvPr id="147" name="Freeform 146"/>
           <p:cNvSpPr/>
           <p:nvPr/>
         </p:nvSpPr>
         <p:spPr>
           <a:xfrm flipV="1">
-            <a:off x="3643644" y="3908852"/>
+            <a:off x="5603072" y="4240448"/>
             <a:ext cx="617622" cy="220579"/>
           </a:xfrm>
           <a:custGeom>
@@ -20397,13 +21109,13 @@
       </p:sp>
       <p:sp>
         <p:nvSpPr>
-          <p:cNvPr id="90123" name="Freeform 90122"/>
+          <p:cNvPr id="148" name="Freeform 147"/>
           <p:cNvSpPr/>
           <p:nvPr/>
         </p:nvSpPr>
         <p:spPr>
           <a:xfrm>
-            <a:off x="3657600" y="2405269"/>
+            <a:off x="5617028" y="2736865"/>
             <a:ext cx="1958009" cy="1282148"/>
           </a:xfrm>
           <a:custGeom>
@@ -20493,7 +21205,1136 @@
 </p:sld>
 </file>
 
+<file path=ppt/slides/slide10.xml><?xml version="1.0" encoding="utf-8"?>
+<p:sld xmlns:a="http://schemas.openxmlformats.org/drawingml/2006/main" xmlns:r="http://schemas.openxmlformats.org/officeDocument/2006/relationships" xmlns:p="http://schemas.openxmlformats.org/presentationml/2006/main">
+  <p:cSld>
+    <p:spTree>
+      <p:nvGrpSpPr>
+        <p:cNvPr id="1" name=""/>
+        <p:cNvGrpSpPr/>
+        <p:nvPr/>
+      </p:nvGrpSpPr>
+      <p:grpSpPr>
+        <a:xfrm>
+          <a:off x="0" y="0"/>
+          <a:ext cx="0" cy="0"/>
+          <a:chOff x="0" y="0"/>
+          <a:chExt cx="0" cy="0"/>
+        </a:xfrm>
+      </p:grpSpPr>
+      <p:sp>
+        <p:nvSpPr>
+          <p:cNvPr id="2" name="Title 1"/>
+          <p:cNvSpPr>
+            <a:spLocks noGrp="1"/>
+          </p:cNvSpPr>
+          <p:nvPr>
+            <p:ph type="title"/>
+          </p:nvPr>
+        </p:nvSpPr>
+        <p:spPr/>
+        <p:txBody>
+          <a:bodyPr/>
+          <a:lstStyle/>
+          <a:p>
+            <a:r>
+              <a:rPr lang="en-US" dirty="0" smtClean="0"/>
+              <a:t>Why are </a:t>
+            </a:r>
+            <a:r>
+              <a:rPr lang="en-US" dirty="0" smtClean="0"/>
+              <a:t>small </a:t>
+            </a:r>
+            <a:r>
+              <a:rPr lang="en-US" dirty="0" smtClean="0"/>
+              <a:t>scale </a:t>
+            </a:r>
+            <a:r>
+              <a:rPr lang="en-US" dirty="0" smtClean="0"/>
+              <a:t>granular activated </a:t>
+            </a:r>
+            <a:r>
+              <a:rPr lang="en-US" dirty="0" smtClean="0"/>
+              <a:t>carbon studies </a:t>
+            </a:r>
+            <a:r>
+              <a:rPr lang="en-US" dirty="0" smtClean="0"/>
+              <a:t>difficult to scale up? </a:t>
+            </a:r>
+            <a:r>
+              <a:rPr lang="en-US" sz="1600" dirty="0" smtClean="0"/>
+              <a:t>(Why is this lab hard to connect to water treatment)</a:t>
+            </a:r>
+            <a:endParaRPr lang="en-US" sz="1600" dirty="0"/>
+          </a:p>
+        </p:txBody>
+      </p:sp>
+      <p:sp>
+        <p:nvSpPr>
+          <p:cNvPr id="3" name="Content Placeholder 2"/>
+          <p:cNvSpPr>
+            <a:spLocks noGrp="1"/>
+          </p:cNvSpPr>
+          <p:nvPr>
+            <p:ph idx="1"/>
+          </p:nvPr>
+        </p:nvSpPr>
+        <p:spPr/>
+        <p:txBody>
+          <a:bodyPr/>
+          <a:lstStyle/>
+          <a:p>
+            <a:r>
+              <a:rPr lang="en-US" dirty="0" smtClean="0"/>
+              <a:t>Diffusion into the large granules of activated carbon is a very slow process</a:t>
+            </a:r>
+          </a:p>
+          <a:p>
+            <a:r>
+              <a:rPr lang="en-US" dirty="0" smtClean="0"/>
+              <a:t>This is a complex fluids similitude problem</a:t>
+            </a:r>
+          </a:p>
+          <a:p>
+            <a:r>
+              <a:rPr lang="en-US" dirty="0" smtClean="0"/>
+              <a:t>Speed up diffusion by using smaller granules</a:t>
+            </a:r>
+          </a:p>
+          <a:p>
+            <a:r>
+              <a:rPr lang="en-US" dirty="0" smtClean="0"/>
+              <a:t>Prepare smaller granules by grinding and sieving GAC</a:t>
+            </a:r>
+            <a:endParaRPr lang="en-US" dirty="0" smtClean="0"/>
+          </a:p>
+          <a:p>
+            <a:r>
+              <a:rPr lang="en-US" dirty="0" smtClean="0"/>
+              <a:t>But then head loss thru the column increases</a:t>
+            </a:r>
+          </a:p>
+          <a:p>
+            <a:r>
+              <a:rPr lang="en-US" dirty="0" smtClean="0"/>
+              <a:t>Perhaps can obtain a factor of 10 decrease in granule diameter and hence decrease in contact time before </a:t>
+            </a:r>
+            <a:r>
+              <a:rPr lang="en-US" dirty="0"/>
+              <a:t>head loss </a:t>
+            </a:r>
+            <a:r>
+              <a:rPr lang="en-US" dirty="0" smtClean="0"/>
+              <a:t>becomes too large to be practical</a:t>
+            </a:r>
+          </a:p>
+          <a:p>
+            <a:endParaRPr lang="en-US" dirty="0"/>
+          </a:p>
+        </p:txBody>
+      </p:sp>
+    </p:spTree>
+    <p:extLst>
+      <p:ext uri="{BB962C8B-B14F-4D97-AF65-F5344CB8AC3E}">
+        <p14:creationId xmlns:p14="http://schemas.microsoft.com/office/powerpoint/2010/main" val="1096444163"/>
+      </p:ext>
+    </p:extLst>
+  </p:cSld>
+  <p:clrMapOvr>
+    <a:masterClrMapping/>
+  </p:clrMapOvr>
+  <p:transition>
+    <p:fade/>
+  </p:transition>
+  <p:timing>
+    <p:tnLst>
+      <p:par>
+        <p:cTn id="1" dur="indefinite" restart="never" nodeType="tmRoot"/>
+      </p:par>
+    </p:tnLst>
+  </p:timing>
+</p:sld>
+</file>
+
+<file path=ppt/slides/slide11.xml><?xml version="1.0" encoding="utf-8"?>
+<p:sld xmlns:a="http://schemas.openxmlformats.org/drawingml/2006/main" xmlns:r="http://schemas.openxmlformats.org/officeDocument/2006/relationships" xmlns:p="http://schemas.openxmlformats.org/presentationml/2006/main">
+  <p:cSld>
+    <p:spTree>
+      <p:nvGrpSpPr>
+        <p:cNvPr id="1" name=""/>
+        <p:cNvGrpSpPr/>
+        <p:nvPr/>
+      </p:nvGrpSpPr>
+      <p:grpSpPr>
+        <a:xfrm>
+          <a:off x="0" y="0"/>
+          <a:ext cx="0" cy="0"/>
+          <a:chOff x="0" y="0"/>
+          <a:chExt cx="0" cy="0"/>
+        </a:xfrm>
+      </p:grpSpPr>
+      <p:sp>
+        <p:nvSpPr>
+          <p:cNvPr id="2" name="Title 1"/>
+          <p:cNvSpPr>
+            <a:spLocks noGrp="1"/>
+          </p:cNvSpPr>
+          <p:nvPr>
+            <p:ph type="title"/>
+          </p:nvPr>
+        </p:nvSpPr>
+        <p:spPr/>
+        <p:txBody>
+          <a:bodyPr/>
+          <a:lstStyle/>
+          <a:p>
+            <a:r>
+              <a:rPr lang="en-US" dirty="0" smtClean="0"/>
+              <a:t>Our approach for this lab</a:t>
+            </a:r>
+            <a:endParaRPr lang="en-US" dirty="0"/>
+          </a:p>
+        </p:txBody>
+      </p:sp>
+      <p:sp>
+        <p:nvSpPr>
+          <p:cNvPr id="3" name="Content Placeholder 2"/>
+          <p:cNvSpPr>
+            <a:spLocks noGrp="1"/>
+          </p:cNvSpPr>
+          <p:nvPr>
+            <p:ph idx="1"/>
+          </p:nvPr>
+        </p:nvSpPr>
+        <p:spPr/>
+        <p:txBody>
+          <a:bodyPr/>
+          <a:lstStyle/>
+          <a:p>
+            <a:r>
+              <a:rPr lang="en-US" dirty="0" smtClean="0"/>
+              <a:t>Recognize that break through is not necessarily due to the activated carbon reaching its full capacity</a:t>
+            </a:r>
+          </a:p>
+          <a:p>
+            <a:r>
+              <a:rPr lang="en-US" dirty="0" smtClean="0"/>
+              <a:t>Breakthrough likely due to slow diffusion into the granules</a:t>
+            </a:r>
+          </a:p>
+          <a:p>
+            <a:r>
+              <a:rPr lang="en-US" dirty="0" smtClean="0"/>
+              <a:t>Conduct short experiments to illustrate the power of activated carbon, but not to be able to design a full scale column</a:t>
+            </a:r>
+            <a:endParaRPr lang="en-US" dirty="0"/>
+          </a:p>
+        </p:txBody>
+      </p:sp>
+    </p:spTree>
+    <p:extLst>
+      <p:ext uri="{BB962C8B-B14F-4D97-AF65-F5344CB8AC3E}">
+        <p14:creationId xmlns:p14="http://schemas.microsoft.com/office/powerpoint/2010/main" val="4098002699"/>
+      </p:ext>
+    </p:extLst>
+  </p:cSld>
+  <p:clrMapOvr>
+    <a:masterClrMapping/>
+  </p:clrMapOvr>
+  <p:transition>
+    <p:fade/>
+  </p:transition>
+  <p:timing>
+    <p:tnLst>
+      <p:par>
+        <p:cTn id="1" dur="indefinite" restart="never" nodeType="tmRoot"/>
+      </p:par>
+    </p:tnLst>
+  </p:timing>
+</p:sld>
+</file>
+
 <file path=ppt/slides/slide2.xml><?xml version="1.0" encoding="utf-8"?>
+<p:sld xmlns:a="http://schemas.openxmlformats.org/drawingml/2006/main" xmlns:r="http://schemas.openxmlformats.org/officeDocument/2006/relationships" xmlns:p="http://schemas.openxmlformats.org/presentationml/2006/main">
+  <p:cSld>
+    <p:spTree>
+      <p:nvGrpSpPr>
+        <p:cNvPr id="1" name=""/>
+        <p:cNvGrpSpPr/>
+        <p:nvPr/>
+      </p:nvGrpSpPr>
+      <p:grpSpPr>
+        <a:xfrm>
+          <a:off x="0" y="0"/>
+          <a:ext cx="0" cy="0"/>
+          <a:chOff x="0" y="0"/>
+          <a:chExt cx="0" cy="0"/>
+        </a:xfrm>
+      </p:grpSpPr>
+      <p:sp>
+        <p:nvSpPr>
+          <p:cNvPr id="2" name="Title 1"/>
+          <p:cNvSpPr>
+            <a:spLocks noGrp="1"/>
+          </p:cNvSpPr>
+          <p:nvPr>
+            <p:ph type="title"/>
+          </p:nvPr>
+        </p:nvSpPr>
+        <p:spPr/>
+        <p:txBody>
+          <a:bodyPr/>
+          <a:lstStyle/>
+          <a:p>
+            <a:r>
+              <a:rPr lang="en-US" dirty="0" smtClean="0"/>
+              <a:t>Activated Carbon is used to</a:t>
+            </a:r>
+            <a:endParaRPr lang="en-US" dirty="0"/>
+          </a:p>
+        </p:txBody>
+      </p:sp>
+      <p:sp>
+        <p:nvSpPr>
+          <p:cNvPr id="3" name="Content Placeholder 2"/>
+          <p:cNvSpPr>
+            <a:spLocks noGrp="1"/>
+          </p:cNvSpPr>
+          <p:nvPr>
+            <p:ph idx="1"/>
+          </p:nvPr>
+        </p:nvSpPr>
+        <p:spPr/>
+        <p:txBody>
+          <a:bodyPr/>
+          <a:lstStyle/>
+          <a:p>
+            <a:r>
+              <a:rPr lang="en-US" dirty="0" smtClean="0"/>
+              <a:t>Remove disinfection by product precursors (Dissolved Organic Matter)</a:t>
+            </a:r>
+          </a:p>
+          <a:p>
+            <a:r>
+              <a:rPr lang="en-US" dirty="0" smtClean="0"/>
+              <a:t>Remove tastes and odors</a:t>
+            </a:r>
+          </a:p>
+          <a:p>
+            <a:r>
+              <a:rPr lang="en-US" dirty="0" smtClean="0"/>
+              <a:t>Remove toxic organic compounds from contaminated </a:t>
+            </a:r>
+            <a:r>
+              <a:rPr lang="en-US" dirty="0" smtClean="0"/>
+              <a:t>water</a:t>
+            </a:r>
+            <a:endParaRPr lang="en-US" dirty="0" smtClean="0"/>
+          </a:p>
+        </p:txBody>
+      </p:sp>
+    </p:spTree>
+    <p:extLst>
+      <p:ext uri="{BB962C8B-B14F-4D97-AF65-F5344CB8AC3E}">
+        <p14:creationId xmlns:p14="http://schemas.microsoft.com/office/powerpoint/2010/main" val="2752615504"/>
+      </p:ext>
+    </p:extLst>
+  </p:cSld>
+  <p:clrMapOvr>
+    <a:masterClrMapping/>
+  </p:clrMapOvr>
+  <p:transition>
+    <p:fade/>
+  </p:transition>
+  <p:timing>
+    <p:tnLst>
+      <p:par>
+        <p:cTn id="1" dur="indefinite" restart="never" nodeType="tmRoot"/>
+      </p:par>
+    </p:tnLst>
+  </p:timing>
+</p:sld>
+</file>
+
+<file path=ppt/slides/slide3.xml><?xml version="1.0" encoding="utf-8"?>
+<p:sld xmlns:a="http://schemas.openxmlformats.org/drawingml/2006/main" xmlns:r="http://schemas.openxmlformats.org/officeDocument/2006/relationships" xmlns:p="http://schemas.openxmlformats.org/presentationml/2006/main">
+  <p:cSld>
+    <p:spTree>
+      <p:nvGrpSpPr>
+        <p:cNvPr id="1" name=""/>
+        <p:cNvGrpSpPr/>
+        <p:nvPr/>
+      </p:nvGrpSpPr>
+      <p:grpSpPr>
+        <a:xfrm>
+          <a:off x="0" y="0"/>
+          <a:ext cx="0" cy="0"/>
+          <a:chOff x="0" y="0"/>
+          <a:chExt cx="0" cy="0"/>
+        </a:xfrm>
+      </p:grpSpPr>
+      <p:sp>
+        <p:nvSpPr>
+          <p:cNvPr id="2" name="Title 1"/>
+          <p:cNvSpPr>
+            <a:spLocks noGrp="1"/>
+          </p:cNvSpPr>
+          <p:nvPr>
+            <p:ph type="title"/>
+          </p:nvPr>
+        </p:nvSpPr>
+        <p:spPr/>
+        <p:txBody>
+          <a:bodyPr/>
+          <a:lstStyle/>
+          <a:p>
+            <a:r>
+              <a:rPr lang="en-US" dirty="0" smtClean="0"/>
+              <a:t>Granular or Powdered Activated Carbon (GAC or PAC</a:t>
+            </a:r>
+            <a:r>
+              <a:rPr lang="en-US" dirty="0" smtClean="0"/>
+              <a:t>) for drinking water treatment</a:t>
+            </a:r>
+            <a:endParaRPr lang="en-US" dirty="0"/>
+          </a:p>
+        </p:txBody>
+      </p:sp>
+      <p:sp>
+        <p:nvSpPr>
+          <p:cNvPr id="3" name="Content Placeholder 2"/>
+          <p:cNvSpPr>
+            <a:spLocks noGrp="1"/>
+          </p:cNvSpPr>
+          <p:nvPr>
+            <p:ph idx="1"/>
+          </p:nvPr>
+        </p:nvSpPr>
+        <p:spPr/>
+        <p:txBody>
+          <a:bodyPr/>
+          <a:lstStyle/>
+          <a:p>
+            <a:r>
+              <a:rPr lang="en-US" dirty="0" smtClean="0"/>
+              <a:t>Not to be confused with </a:t>
+            </a:r>
+            <a:r>
+              <a:rPr lang="en-US" dirty="0" err="1" smtClean="0"/>
+              <a:t>PACl</a:t>
+            </a:r>
+            <a:r>
+              <a:rPr lang="en-US" dirty="0" smtClean="0"/>
+              <a:t> (poly aluminum chloride)</a:t>
+            </a:r>
+          </a:p>
+          <a:p>
+            <a:r>
+              <a:rPr lang="en-US" dirty="0" smtClean="0"/>
+              <a:t>GAC is used in columns </a:t>
+            </a:r>
+            <a:r>
+              <a:rPr lang="en-US" dirty="0" smtClean="0"/>
+              <a:t>(can be regenerated – YEAH!)</a:t>
+            </a:r>
+            <a:endParaRPr lang="en-US" dirty="0" smtClean="0"/>
+          </a:p>
+          <a:p>
+            <a:pPr lvl="1"/>
+            <a:r>
+              <a:rPr lang="en-US" dirty="0"/>
+              <a:t>mean particle </a:t>
+            </a:r>
+            <a:r>
+              <a:rPr lang="en-US" dirty="0" smtClean="0"/>
+              <a:t>size 0.5 </a:t>
+            </a:r>
+            <a:r>
+              <a:rPr lang="en-US" dirty="0"/>
+              <a:t>to 3 mm</a:t>
+            </a:r>
+            <a:endParaRPr lang="en-US" dirty="0" smtClean="0"/>
+          </a:p>
+          <a:p>
+            <a:pPr lvl="1"/>
+            <a:r>
+              <a:rPr lang="en-US" dirty="0" smtClean="0"/>
+              <a:t>Applied </a:t>
+            </a:r>
+            <a:r>
+              <a:rPr lang="en-US" dirty="0" smtClean="0"/>
+              <a:t>after rapid sand filtration</a:t>
+            </a:r>
+          </a:p>
+          <a:p>
+            <a:pPr lvl="1"/>
+            <a:r>
+              <a:rPr lang="en-US" dirty="0" smtClean="0"/>
+              <a:t>Don’t backwash GAC!</a:t>
+            </a:r>
+          </a:p>
+          <a:p>
+            <a:r>
+              <a:rPr lang="en-US" dirty="0" smtClean="0"/>
+              <a:t>PAC is added to raw </a:t>
+            </a:r>
+            <a:r>
+              <a:rPr lang="en-US" dirty="0" smtClean="0"/>
+              <a:t>water </a:t>
+            </a:r>
+            <a:endParaRPr lang="en-US" dirty="0" smtClean="0"/>
+          </a:p>
+          <a:p>
+            <a:pPr lvl="1"/>
+            <a:r>
+              <a:rPr lang="en-US" dirty="0">
+                <a:solidFill>
+                  <a:srgbClr val="292526"/>
+                </a:solidFill>
+                <a:latin typeface="NewBaskerville-Roman"/>
+              </a:rPr>
+              <a:t>mean particle size 20 to 50 </a:t>
+            </a:r>
+            <a:r>
+              <a:rPr lang="en-US" dirty="0" err="1" smtClean="0">
+                <a:solidFill>
+                  <a:srgbClr val="292526"/>
+                </a:solidFill>
+                <a:latin typeface="MTGU"/>
+              </a:rPr>
+              <a:t>μ</a:t>
+            </a:r>
+            <a:r>
+              <a:rPr lang="en-US" dirty="0" err="1" smtClean="0">
+                <a:solidFill>
+                  <a:srgbClr val="292526"/>
+                </a:solidFill>
+                <a:latin typeface="NewBaskerville-Roman"/>
+              </a:rPr>
+              <a:t>m</a:t>
+            </a:r>
+            <a:endParaRPr lang="en-US" dirty="0" smtClean="0"/>
+          </a:p>
+          <a:p>
+            <a:pPr lvl="1"/>
+            <a:r>
+              <a:rPr lang="en-US" dirty="0" smtClean="0"/>
+              <a:t>Removed </a:t>
+            </a:r>
+            <a:r>
+              <a:rPr lang="en-US" dirty="0" smtClean="0"/>
+              <a:t>in </a:t>
+            </a:r>
+            <a:r>
+              <a:rPr lang="en-US" dirty="0" err="1" smtClean="0"/>
+              <a:t>sed</a:t>
+            </a:r>
+            <a:r>
+              <a:rPr lang="en-US" dirty="0" smtClean="0"/>
+              <a:t> </a:t>
+            </a:r>
+            <a:r>
+              <a:rPr lang="en-US" dirty="0" smtClean="0"/>
+              <a:t>tanks (as sludge)</a:t>
+            </a:r>
+            <a:endParaRPr lang="en-US" dirty="0" smtClean="0"/>
+          </a:p>
+          <a:p>
+            <a:pPr lvl="1"/>
+            <a:r>
+              <a:rPr lang="en-US" dirty="0" smtClean="0"/>
+              <a:t>Less (and more) </a:t>
+            </a:r>
+            <a:r>
+              <a:rPr lang="en-US" dirty="0" smtClean="0"/>
+              <a:t>efficient than GAC</a:t>
+            </a:r>
+            <a:endParaRPr lang="en-US" dirty="0"/>
+          </a:p>
+        </p:txBody>
+      </p:sp>
+      <p:pic>
+        <p:nvPicPr>
+          <p:cNvPr id="3074" name="Picture 2" descr="Image"/>
+          <p:cNvPicPr>
+            <a:picLocks noChangeAspect="1" noChangeArrowheads="1"/>
+          </p:cNvPicPr>
+          <p:nvPr/>
+        </p:nvPicPr>
+        <p:blipFill>
+          <a:blip r:embed="rId3">
+            <a:clrChange>
+              <a:clrFrom>
+                <a:srgbClr val="FFFFFF"/>
+              </a:clrFrom>
+              <a:clrTo>
+                <a:srgbClr val="FFFFFF">
+                  <a:alpha val="0"/>
+                </a:srgbClr>
+              </a:clrTo>
+            </a:clrChange>
+            <a:extLst>
+              <a:ext uri="{28A0092B-C50C-407E-A947-70E740481C1C}">
+                <a14:useLocalDpi xmlns:a14="http://schemas.microsoft.com/office/drawing/2010/main" val="0"/>
+              </a:ext>
+            </a:extLst>
+          </a:blip>
+          <a:srcRect/>
+          <a:stretch>
+            <a:fillRect/>
+          </a:stretch>
+        </p:blipFill>
+        <p:spPr bwMode="auto">
+          <a:xfrm>
+            <a:off x="6790484" y="3759276"/>
+            <a:ext cx="3981691" cy="3098724"/>
+          </a:xfrm>
+          <a:prstGeom prst="rect">
+            <a:avLst/>
+          </a:prstGeom>
+          <a:noFill/>
+          <a:extLst>
+            <a:ext uri="{909E8E84-426E-40DD-AFC4-6F175D3DCCD1}">
+              <a14:hiddenFill xmlns:a14="http://schemas.microsoft.com/office/drawing/2010/main">
+                <a:solidFill>
+                  <a:srgbClr val="FFFFFF"/>
+                </a:solidFill>
+              </a14:hiddenFill>
+            </a:ext>
+          </a:extLst>
+        </p:spPr>
+      </p:pic>
+    </p:spTree>
+    <p:extLst>
+      <p:ext uri="{BB962C8B-B14F-4D97-AF65-F5344CB8AC3E}">
+        <p14:creationId xmlns:p14="http://schemas.microsoft.com/office/powerpoint/2010/main" val="214129805"/>
+      </p:ext>
+    </p:extLst>
+  </p:cSld>
+  <p:clrMapOvr>
+    <a:masterClrMapping/>
+  </p:clrMapOvr>
+  <p:transition>
+    <p:fade/>
+  </p:transition>
+  <p:timing>
+    <p:tnLst>
+      <p:par>
+        <p:cTn id="1" dur="indefinite" restart="never" nodeType="tmRoot"/>
+      </p:par>
+    </p:tnLst>
+  </p:timing>
+</p:sld>
+</file>
+
+<file path=ppt/slides/slide4.xml><?xml version="1.0" encoding="utf-8"?>
+<p:sld xmlns:a="http://schemas.openxmlformats.org/drawingml/2006/main" xmlns:r="http://schemas.openxmlformats.org/officeDocument/2006/relationships" xmlns:p="http://schemas.openxmlformats.org/presentationml/2006/main">
+  <p:cSld>
+    <p:spTree>
+      <p:nvGrpSpPr>
+        <p:cNvPr id="1" name=""/>
+        <p:cNvGrpSpPr/>
+        <p:nvPr/>
+      </p:nvGrpSpPr>
+      <p:grpSpPr>
+        <a:xfrm>
+          <a:off x="0" y="0"/>
+          <a:ext cx="0" cy="0"/>
+          <a:chOff x="0" y="0"/>
+          <a:chExt cx="0" cy="0"/>
+        </a:xfrm>
+      </p:grpSpPr>
+      <p:sp>
+        <p:nvSpPr>
+          <p:cNvPr id="2" name="Title 1"/>
+          <p:cNvSpPr>
+            <a:spLocks noGrp="1"/>
+          </p:cNvSpPr>
+          <p:nvPr>
+            <p:ph type="title"/>
+          </p:nvPr>
+        </p:nvSpPr>
+        <p:spPr/>
+        <p:txBody>
+          <a:bodyPr/>
+          <a:lstStyle/>
+          <a:p>
+            <a:r>
+              <a:rPr lang="en-US" dirty="0" smtClean="0"/>
+              <a:t>GAC and PAC</a:t>
+            </a:r>
+            <a:endParaRPr lang="en-US" dirty="0"/>
+          </a:p>
+        </p:txBody>
+      </p:sp>
+      <p:sp>
+        <p:nvSpPr>
+          <p:cNvPr id="3" name="Content Placeholder 2"/>
+          <p:cNvSpPr>
+            <a:spLocks noGrp="1"/>
+          </p:cNvSpPr>
+          <p:nvPr>
+            <p:ph idx="1"/>
+          </p:nvPr>
+        </p:nvSpPr>
+        <p:spPr/>
+        <p:txBody>
+          <a:bodyPr/>
+          <a:lstStyle/>
+          <a:p>
+            <a:r>
+              <a:rPr lang="en-US" dirty="0" smtClean="0"/>
+              <a:t>GAC is more efficient than PAC</a:t>
+            </a:r>
+          </a:p>
+          <a:p>
+            <a:pPr lvl="1"/>
+            <a:r>
+              <a:rPr lang="en-US" dirty="0" smtClean="0"/>
+              <a:t>The spent PAC </a:t>
+            </a:r>
+            <a:r>
+              <a:rPr lang="en-US" dirty="0"/>
+              <a:t>is in equilibrium with the effluent concentration</a:t>
+            </a:r>
+          </a:p>
+          <a:p>
+            <a:pPr lvl="1"/>
+            <a:r>
+              <a:rPr lang="en-US" dirty="0" smtClean="0"/>
+              <a:t>The spent GAC </a:t>
+            </a:r>
+            <a:r>
+              <a:rPr lang="en-US" dirty="0"/>
+              <a:t>is in equilibrium with the influent </a:t>
+            </a:r>
+            <a:r>
+              <a:rPr lang="en-US" dirty="0" smtClean="0"/>
+              <a:t>concentration</a:t>
+            </a:r>
+          </a:p>
+          <a:p>
+            <a:r>
+              <a:rPr lang="en-US" dirty="0" smtClean="0"/>
+              <a:t>PAC is faster than GAC</a:t>
+            </a:r>
+          </a:p>
+          <a:p>
+            <a:pPr lvl="1"/>
+            <a:r>
+              <a:rPr lang="en-US" dirty="0" smtClean="0"/>
+              <a:t>PAC is much smaller and thus diffusion into the pores of the PAC is much faster than diffusion into the pores of GAC</a:t>
+            </a:r>
+          </a:p>
+          <a:p>
+            <a:pPr lvl="1"/>
+            <a:r>
+              <a:rPr lang="en-US" dirty="0" smtClean="0"/>
+              <a:t>doses </a:t>
+            </a:r>
+            <a:r>
+              <a:rPr lang="en-US" dirty="0"/>
+              <a:t>in the range of 5 to 25 </a:t>
+            </a:r>
+            <a:r>
+              <a:rPr lang="en-US" dirty="0" smtClean="0"/>
+              <a:t>mg/L and an </a:t>
+            </a:r>
+            <a:r>
+              <a:rPr lang="en-US" dirty="0"/>
+              <a:t>average dosage </a:t>
+            </a:r>
+            <a:r>
+              <a:rPr lang="en-US" dirty="0" smtClean="0"/>
+              <a:t>of 5 </a:t>
+            </a:r>
+            <a:r>
+              <a:rPr lang="en-US" dirty="0"/>
+              <a:t>mg/L (</a:t>
+            </a:r>
+            <a:r>
+              <a:rPr lang="en-US" dirty="0" smtClean="0"/>
+              <a:t>Graham et </a:t>
+            </a:r>
+            <a:r>
+              <a:rPr lang="en-US" dirty="0"/>
+              <a:t>al., 2000</a:t>
+            </a:r>
+            <a:r>
+              <a:rPr lang="en-US" dirty="0" smtClean="0"/>
+              <a:t>)</a:t>
+            </a:r>
+            <a:endParaRPr lang="en-US" dirty="0"/>
+          </a:p>
+        </p:txBody>
+      </p:sp>
+    </p:spTree>
+    <p:extLst>
+      <p:ext uri="{BB962C8B-B14F-4D97-AF65-F5344CB8AC3E}">
+        <p14:creationId xmlns:p14="http://schemas.microsoft.com/office/powerpoint/2010/main" val="2337659072"/>
+      </p:ext>
+    </p:extLst>
+  </p:cSld>
+  <p:clrMapOvr>
+    <a:masterClrMapping/>
+  </p:clrMapOvr>
+  <p:transition>
+    <p:fade/>
+  </p:transition>
+  <p:timing>
+    <p:tnLst>
+      <p:par>
+        <p:cTn id="1" dur="indefinite" restart="never" nodeType="tmRoot"/>
+      </p:par>
+    </p:tnLst>
+  </p:timing>
+</p:sld>
+</file>
+
+<file path=ppt/slides/slide5.xml><?xml version="1.0" encoding="utf-8"?>
+<p:sld xmlns:a="http://schemas.openxmlformats.org/drawingml/2006/main" xmlns:r="http://schemas.openxmlformats.org/officeDocument/2006/relationships" xmlns:p="http://schemas.openxmlformats.org/presentationml/2006/main">
+  <p:cSld>
+    <p:spTree>
+      <p:nvGrpSpPr>
+        <p:cNvPr id="1" name=""/>
+        <p:cNvGrpSpPr/>
+        <p:nvPr/>
+      </p:nvGrpSpPr>
+      <p:grpSpPr>
+        <a:xfrm>
+          <a:off x="0" y="0"/>
+          <a:ext cx="0" cy="0"/>
+          <a:chOff x="0" y="0"/>
+          <a:chExt cx="0" cy="0"/>
+        </a:xfrm>
+      </p:grpSpPr>
+      <p:sp>
+        <p:nvSpPr>
+          <p:cNvPr id="2" name="Title 1"/>
+          <p:cNvSpPr>
+            <a:spLocks noGrp="1"/>
+          </p:cNvSpPr>
+          <p:nvPr>
+            <p:ph type="title"/>
+          </p:nvPr>
+        </p:nvSpPr>
+        <p:spPr/>
+        <p:txBody>
+          <a:bodyPr/>
+          <a:lstStyle/>
+          <a:p>
+            <a:r>
+              <a:rPr lang="en-US" dirty="0" smtClean="0"/>
+              <a:t>Non selective </a:t>
+            </a:r>
+            <a:r>
+              <a:rPr lang="en-US" dirty="0" smtClean="0"/>
+              <a:t>adsorption</a:t>
+            </a:r>
+            <a:endParaRPr lang="en-US" dirty="0"/>
+          </a:p>
+        </p:txBody>
+      </p:sp>
+      <p:sp>
+        <p:nvSpPr>
+          <p:cNvPr id="3" name="Content Placeholder 2"/>
+          <p:cNvSpPr>
+            <a:spLocks noGrp="1"/>
+          </p:cNvSpPr>
+          <p:nvPr>
+            <p:ph idx="1"/>
+          </p:nvPr>
+        </p:nvSpPr>
+        <p:spPr/>
+        <p:txBody>
+          <a:bodyPr/>
+          <a:lstStyle/>
+          <a:p>
+            <a:r>
+              <a:rPr lang="en-US" dirty="0" smtClean="0"/>
+              <a:t>When using activated carbon to remove a contaminant </a:t>
+            </a:r>
+            <a:r>
+              <a:rPr lang="en-US" dirty="0" smtClean="0"/>
+              <a:t>(such as a synthetic organic chemical) from </a:t>
+            </a:r>
+            <a:r>
+              <a:rPr lang="en-US" dirty="0" smtClean="0"/>
+              <a:t>water it is likely that other </a:t>
+            </a:r>
+            <a:r>
+              <a:rPr lang="en-US" dirty="0" smtClean="0"/>
+              <a:t>species (such as natural organic matter) </a:t>
+            </a:r>
+            <a:r>
+              <a:rPr lang="en-US" dirty="0" smtClean="0"/>
+              <a:t>will be removed too!</a:t>
+            </a:r>
+          </a:p>
+          <a:p>
+            <a:r>
+              <a:rPr lang="en-US" dirty="0" smtClean="0"/>
+              <a:t>Non-target species will occupy adsorption sites on the activated carbon </a:t>
+            </a:r>
+          </a:p>
+          <a:p>
+            <a:r>
+              <a:rPr lang="en-US" dirty="0" smtClean="0"/>
+              <a:t>And thus the activated carbon will reach its adsorption capacity sooner than if it were only removing the target species</a:t>
+            </a:r>
+          </a:p>
+          <a:p>
+            <a:r>
+              <a:rPr lang="en-US" dirty="0" smtClean="0"/>
+              <a:t>This will cost you money!</a:t>
+            </a:r>
+            <a:endParaRPr lang="en-US" dirty="0"/>
+          </a:p>
+        </p:txBody>
+      </p:sp>
+    </p:spTree>
+    <p:extLst>
+      <p:ext uri="{BB962C8B-B14F-4D97-AF65-F5344CB8AC3E}">
+        <p14:creationId xmlns:p14="http://schemas.microsoft.com/office/powerpoint/2010/main" val="2255930327"/>
+      </p:ext>
+    </p:extLst>
+  </p:cSld>
+  <p:clrMapOvr>
+    <a:masterClrMapping/>
+  </p:clrMapOvr>
+  <p:transition>
+    <p:fade/>
+  </p:transition>
+  <p:timing>
+    <p:tnLst>
+      <p:par>
+        <p:cTn id="1" dur="indefinite" restart="never" nodeType="tmRoot"/>
+      </p:par>
+    </p:tnLst>
+  </p:timing>
+</p:sld>
+</file>
+
+<file path=ppt/slides/slide6.xml><?xml version="1.0" encoding="utf-8"?>
+<p:sld xmlns:a="http://schemas.openxmlformats.org/drawingml/2006/main" xmlns:r="http://schemas.openxmlformats.org/officeDocument/2006/relationships" xmlns:p="http://schemas.openxmlformats.org/presentationml/2006/main">
+  <p:cSld>
+    <p:spTree>
+      <p:nvGrpSpPr>
+        <p:cNvPr id="1" name=""/>
+        <p:cNvGrpSpPr/>
+        <p:nvPr/>
+      </p:nvGrpSpPr>
+      <p:grpSpPr>
+        <a:xfrm>
+          <a:off x="0" y="0"/>
+          <a:ext cx="0" cy="0"/>
+          <a:chOff x="0" y="0"/>
+          <a:chExt cx="0" cy="0"/>
+        </a:xfrm>
+      </p:grpSpPr>
+      <p:sp>
+        <p:nvSpPr>
+          <p:cNvPr id="2" name="Title 1"/>
+          <p:cNvSpPr>
+            <a:spLocks noGrp="1"/>
+          </p:cNvSpPr>
+          <p:nvPr>
+            <p:ph type="title"/>
+          </p:nvPr>
+        </p:nvSpPr>
+        <p:spPr/>
+        <p:txBody>
+          <a:bodyPr/>
+          <a:lstStyle/>
+          <a:p>
+            <a:r>
+              <a:rPr lang="en-US" dirty="0" smtClean="0"/>
+              <a:t>Activated Carbon is amazing because</a:t>
+            </a:r>
+            <a:endParaRPr lang="en-US" dirty="0"/>
+          </a:p>
+        </p:txBody>
+      </p:sp>
+      <p:sp>
+        <p:nvSpPr>
+          <p:cNvPr id="3" name="Content Placeholder 2"/>
+          <p:cNvSpPr>
+            <a:spLocks noGrp="1"/>
+          </p:cNvSpPr>
+          <p:nvPr>
+            <p:ph idx="1"/>
+          </p:nvPr>
+        </p:nvSpPr>
+        <p:spPr>
+          <a:xfrm>
+            <a:off x="609600" y="1600203"/>
+            <a:ext cx="7398936" cy="4525963"/>
+          </a:xfrm>
+        </p:spPr>
+        <p:txBody>
+          <a:bodyPr/>
+          <a:lstStyle/>
+          <a:p>
+            <a:r>
+              <a:rPr lang="en-US" dirty="0" smtClean="0"/>
+              <a:t>About 1000 square meters of surface area per gram</a:t>
+            </a:r>
+          </a:p>
+          <a:p>
+            <a:r>
+              <a:rPr lang="en-US" dirty="0" smtClean="0"/>
+              <a:t>About 0.5 gram per mL</a:t>
+            </a:r>
+          </a:p>
+          <a:p>
+            <a:r>
+              <a:rPr lang="en-US" dirty="0" smtClean="0"/>
+              <a:t>Thus about 500 square meters per mL!</a:t>
+            </a:r>
+          </a:p>
+          <a:p>
+            <a:r>
+              <a:rPr lang="en-US" dirty="0" smtClean="0"/>
+              <a:t>Adsorption capacity as high as 0.2 gram of contaminant per gram of activated carbon </a:t>
+            </a:r>
+            <a:endParaRPr lang="en-US" dirty="0"/>
+          </a:p>
+          <a:p>
+            <a:r>
+              <a:rPr lang="en-US" dirty="0" smtClean="0"/>
+              <a:t>Charcoal is not activated carbon</a:t>
+            </a:r>
+          </a:p>
+        </p:txBody>
+      </p:sp>
+      <p:pic>
+        <p:nvPicPr>
+          <p:cNvPr id="4100" name="Picture 4" descr="SEM micrographs willow tree legs -based activated carbon (500×) ">
+            <a:hlinkClick r:id="rId3"/>
+          </p:cNvPr>
+          <p:cNvPicPr>
+            <a:picLocks noChangeAspect="1" noChangeArrowheads="1"/>
+          </p:cNvPicPr>
+          <p:nvPr/>
+        </p:nvPicPr>
+        <p:blipFill>
+          <a:blip r:embed="rId4">
+            <a:extLst>
+              <a:ext uri="{28A0092B-C50C-407E-A947-70E740481C1C}">
+                <a14:useLocalDpi xmlns:a14="http://schemas.microsoft.com/office/drawing/2010/main" val="0"/>
+              </a:ext>
+            </a:extLst>
+          </a:blip>
+          <a:srcRect/>
+          <a:stretch>
+            <a:fillRect/>
+          </a:stretch>
+        </p:blipFill>
+        <p:spPr bwMode="auto">
+          <a:xfrm>
+            <a:off x="8008536" y="1674489"/>
+            <a:ext cx="4082807" cy="3060183"/>
+          </a:xfrm>
+          <a:prstGeom prst="rect">
+            <a:avLst/>
+          </a:prstGeom>
+          <a:noFill/>
+          <a:extLst>
+            <a:ext uri="{909E8E84-426E-40DD-AFC4-6F175D3DCCD1}">
+              <a14:hiddenFill xmlns:a14="http://schemas.microsoft.com/office/drawing/2010/main">
+                <a:solidFill>
+                  <a:srgbClr val="FFFFFF"/>
+                </a:solidFill>
+              </a14:hiddenFill>
+            </a:ext>
+          </a:extLst>
+        </p:spPr>
+      </p:pic>
+      <p:sp>
+        <p:nvSpPr>
+          <p:cNvPr id="4" name="TextBox 3"/>
+          <p:cNvSpPr txBox="1"/>
+          <p:nvPr/>
+        </p:nvSpPr>
+        <p:spPr>
+          <a:xfrm>
+            <a:off x="8008536" y="4808958"/>
+            <a:ext cx="3878664" cy="830997"/>
+          </a:xfrm>
+          <a:prstGeom prst="rect">
+            <a:avLst/>
+          </a:prstGeom>
+          <a:noFill/>
+        </p:spPr>
+        <p:txBody>
+          <a:bodyPr wrap="square" rtlCol="0">
+            <a:spAutoFit/>
+          </a:bodyPr>
+          <a:lstStyle/>
+          <a:p>
+            <a:r>
+              <a:rPr lang="en-US" sz="1600" dirty="0"/>
+              <a:t>SEM micrographs willow tree legs -based activated carbon (500×) </a:t>
+            </a:r>
+            <a:r>
+              <a:rPr lang="en-US" sz="1600" dirty="0"/>
+              <a:t/>
+            </a:r>
+            <a:br>
+              <a:rPr lang="en-US" sz="1600" dirty="0"/>
+            </a:br>
+            <a:r>
+              <a:rPr lang="en-US" sz="1600" dirty="0"/>
+              <a:t>Fig </a:t>
+            </a:r>
+            <a:r>
+              <a:rPr lang="en-US" sz="1600" dirty="0" smtClean="0"/>
+              <a:t>by</a:t>
+            </a:r>
+            <a:r>
+              <a:rPr lang="en-US" sz="1600" dirty="0"/>
+              <a:t> </a:t>
+            </a:r>
+            <a:r>
+              <a:rPr lang="en-US" sz="1600" u="sng" dirty="0" err="1">
+                <a:hlinkClick r:id="rId5"/>
+              </a:rPr>
+              <a:t>Jasim</a:t>
+            </a:r>
+            <a:r>
+              <a:rPr lang="en-US" sz="1600" u="sng" dirty="0">
+                <a:hlinkClick r:id="rId5"/>
+              </a:rPr>
+              <a:t> M. Salman</a:t>
+            </a:r>
+            <a:endParaRPr lang="en-US" sz="1600" dirty="0"/>
+          </a:p>
+        </p:txBody>
+      </p:sp>
+    </p:spTree>
+    <p:extLst>
+      <p:ext uri="{BB962C8B-B14F-4D97-AF65-F5344CB8AC3E}">
+        <p14:creationId xmlns:p14="http://schemas.microsoft.com/office/powerpoint/2010/main" val="2701711038"/>
+      </p:ext>
+    </p:extLst>
+  </p:cSld>
+  <p:clrMapOvr>
+    <a:masterClrMapping/>
+  </p:clrMapOvr>
+  <p:transition>
+    <p:fade/>
+  </p:transition>
+  <p:timing>
+    <p:tnLst>
+      <p:par>
+        <p:cTn id="1" dur="indefinite" restart="never" nodeType="tmRoot"/>
+      </p:par>
+    </p:tnLst>
+  </p:timing>
+</p:sld>
+</file>
+
+<file path=ppt/slides/slide7.xml><?xml version="1.0" encoding="utf-8"?>
 <p:sld xmlns:a="http://schemas.openxmlformats.org/drawingml/2006/main" xmlns:r="http://schemas.openxmlformats.org/officeDocument/2006/relationships" xmlns:p="http://schemas.openxmlformats.org/presentationml/2006/main">
   <p:cSld>
     <p:spTree>
@@ -20547,12 +22388,20 @@
           </a:extLst>
         </p:spPr>
         <p:txBody>
-          <a:bodyPr lIns="90488" tIns="44450" rIns="90488" bIns="44450" anchor="b"/>
+          <a:bodyPr vert="horz" wrap="square" lIns="90488" tIns="44450" rIns="90488" bIns="44450" numCol="1" anchor="b" anchorCtr="0" compatLnSpc="1">
+            <a:prstTxWarp prst="textNoShape">
+              <a:avLst/>
+            </a:prstTxWarp>
+          </a:bodyPr>
           <a:lstStyle/>
           <a:p>
             <a:r>
-              <a:rPr lang="en-US" altLang="en-US"/>
-              <a:t>Theory of Operation</a:t>
+              <a:rPr lang="en-US" altLang="en-US" dirty="0" smtClean="0"/>
+              <a:t>Adsorption Column: Theory </a:t>
+            </a:r>
+            <a:r>
+              <a:rPr lang="en-US" altLang="en-US" dirty="0"/>
+              <a:t>of Operation</a:t>
             </a:r>
           </a:p>
         </p:txBody>
@@ -20584,7 +22433,11 @@
           </a:extLst>
         </p:spPr>
         <p:txBody>
-          <a:bodyPr lIns="90488" tIns="44450" rIns="90488" bIns="44450"/>
+          <a:bodyPr vert="horz" wrap="square" lIns="90488" tIns="44450" rIns="90488" bIns="44450" numCol="1" anchor="t" anchorCtr="0" compatLnSpc="1">
+            <a:prstTxWarp prst="textNoShape">
+              <a:avLst/>
+            </a:prstTxWarp>
+          </a:bodyPr>
           <a:lstStyle/>
           <a:p>
             <a:r>
@@ -20604,8 +22457,8 @@
         </p:nvSpPr>
         <p:spPr bwMode="auto">
           <a:xfrm>
-            <a:off x="5253038" y="3259138"/>
-            <a:ext cx="3414712" cy="1549400"/>
+            <a:off x="6777038" y="3259138"/>
+            <a:ext cx="3414712" cy="1567096"/>
           </a:xfrm>
           <a:prstGeom prst="rect">
             <a:avLst/>
@@ -20669,7 +22522,7 @@
         </p:nvSpPr>
         <p:spPr bwMode="auto">
           <a:xfrm flipH="1">
-            <a:off x="4768850" y="3968750"/>
+            <a:off x="6292850" y="3968750"/>
             <a:ext cx="533400" cy="152400"/>
           </a:xfrm>
           <a:prstGeom prst="line">
@@ -20720,7 +22573,7 @@
         </p:nvSpPr>
         <p:spPr bwMode="auto">
           <a:xfrm>
-            <a:off x="8020050" y="4794250"/>
+            <a:off x="9544050" y="4794250"/>
             <a:ext cx="622300" cy="1905000"/>
           </a:xfrm>
           <a:prstGeom prst="ellipse">
@@ -20773,7 +22626,7 @@
         </p:nvSpPr>
         <p:spPr bwMode="auto">
           <a:xfrm>
-            <a:off x="8134350" y="5124450"/>
+            <a:off x="9658350" y="5124450"/>
             <a:ext cx="393700" cy="1231900"/>
           </a:xfrm>
           <a:prstGeom prst="ellipse">
@@ -20821,7 +22674,7 @@
         </p:nvSpPr>
         <p:spPr bwMode="auto">
           <a:xfrm>
-            <a:off x="1143000" y="5118100"/>
+            <a:off x="2667000" y="5118100"/>
             <a:ext cx="7188200" cy="1257300"/>
           </a:xfrm>
           <a:prstGeom prst="rect">
@@ -20874,7 +22727,7 @@
         </p:nvSpPr>
         <p:spPr bwMode="auto">
           <a:xfrm>
-            <a:off x="920750" y="5124450"/>
+            <a:off x="2444750" y="5124450"/>
             <a:ext cx="393700" cy="1231900"/>
           </a:xfrm>
           <a:prstGeom prst="ellipse">
@@ -20922,7 +22775,7 @@
         </p:nvSpPr>
         <p:spPr bwMode="auto">
           <a:xfrm>
-            <a:off x="1149350" y="4794250"/>
+            <a:off x="2673350" y="4794250"/>
             <a:ext cx="7188200" cy="317500"/>
           </a:xfrm>
           <a:prstGeom prst="rect">
@@ -20975,7 +22828,7 @@
         </p:nvSpPr>
         <p:spPr bwMode="auto">
           <a:xfrm>
-            <a:off x="4064000" y="3368675"/>
+            <a:off x="5588000" y="3368675"/>
             <a:ext cx="1087438" cy="1760538"/>
           </a:xfrm>
           <a:custGeom>
@@ -21652,7 +23505,7 @@
         </p:nvSpPr>
         <p:spPr bwMode="auto">
           <a:xfrm>
-            <a:off x="1149350" y="6381750"/>
+            <a:off x="2673350" y="6381750"/>
             <a:ext cx="7188200" cy="317500"/>
           </a:xfrm>
           <a:prstGeom prst="rect">
@@ -21705,7 +23558,7 @@
         </p:nvSpPr>
         <p:spPr bwMode="auto">
           <a:xfrm>
-            <a:off x="4064000" y="5130800"/>
+            <a:off x="5588000" y="5130800"/>
             <a:ext cx="1087438" cy="725488"/>
           </a:xfrm>
           <a:custGeom>
@@ -22377,7 +24230,7 @@
         </p:nvGrpSpPr>
         <p:grpSpPr bwMode="auto">
           <a:xfrm>
-            <a:off x="4279900" y="4972050"/>
+            <a:off x="5803900" y="4972050"/>
             <a:ext cx="609600" cy="1022350"/>
             <a:chOff x="2696" y="2988"/>
             <a:chExt cx="384" cy="644"/>
@@ -22547,7 +24400,7 @@
         </p:nvSpPr>
         <p:spPr bwMode="auto">
           <a:xfrm>
-            <a:off x="685800" y="4711700"/>
+            <a:off x="2209800" y="4711700"/>
             <a:ext cx="444500" cy="2133600"/>
           </a:xfrm>
           <a:prstGeom prst="rect">
@@ -22600,7 +24453,7 @@
         </p:nvSpPr>
         <p:spPr bwMode="auto">
           <a:xfrm>
-            <a:off x="673100" y="5765800"/>
+            <a:off x="2197100" y="5765800"/>
             <a:ext cx="1143000" cy="0"/>
           </a:xfrm>
           <a:prstGeom prst="line">
@@ -22651,7 +24504,7 @@
         </p:nvSpPr>
         <p:spPr bwMode="auto">
           <a:xfrm>
-            <a:off x="5008563" y="5516563"/>
+            <a:off x="6532563" y="5516563"/>
             <a:ext cx="3908122" cy="459100"/>
           </a:xfrm>
           <a:prstGeom prst="rect">
@@ -22698,16 +24551,10 @@
           <a:lstStyle/>
           <a:p>
             <a:r>
-              <a:rPr lang="en-US" altLang="en-US" sz="2400" dirty="0" smtClean="0">
-                <a:latin typeface="Book Antiqua" panose="02040602050305030304" pitchFamily="18" charset="0"/>
-              </a:rPr>
-              <a:t>Liquid </a:t>
-            </a:r>
-            <a:r>
               <a:rPr lang="en-US" altLang="en-US" sz="2400" dirty="0">
                 <a:latin typeface="Book Antiqua" panose="02040602050305030304" pitchFamily="18" charset="0"/>
               </a:rPr>
-              <a:t>phase concentration</a:t>
+              <a:t>Liquid phase concentration</a:t>
             </a:r>
           </a:p>
         </p:txBody>
@@ -22722,7 +24569,7 @@
         </p:nvSpPr>
         <p:spPr bwMode="auto">
           <a:xfrm flipH="1" flipV="1">
-            <a:off x="4768850" y="5568950"/>
+            <a:off x="6292850" y="5568950"/>
             <a:ext cx="368300" cy="127000"/>
           </a:xfrm>
           <a:prstGeom prst="line">
@@ -22773,7 +24620,7 @@
         </p:nvSpPr>
         <p:spPr bwMode="auto">
           <a:xfrm>
-            <a:off x="2044700" y="3000375"/>
+            <a:off x="3568700" y="3000375"/>
             <a:ext cx="1087438" cy="2128838"/>
           </a:xfrm>
           <a:custGeom>
@@ -23450,7 +25297,7 @@
         </p:nvSpPr>
         <p:spPr bwMode="auto">
           <a:xfrm>
-            <a:off x="2044700" y="5130800"/>
+            <a:off x="3568700" y="5130800"/>
             <a:ext cx="1087438" cy="382588"/>
           </a:xfrm>
           <a:custGeom>
@@ -24122,7 +25969,7 @@
         </p:nvSpPr>
         <p:spPr bwMode="auto">
           <a:xfrm>
-            <a:off x="2628900" y="5308600"/>
+            <a:off x="4152900" y="5308600"/>
             <a:ext cx="317500" cy="12700"/>
           </a:xfrm>
           <a:prstGeom prst="line">
@@ -24173,7 +26020,7 @@
         </p:nvSpPr>
         <p:spPr bwMode="auto">
           <a:xfrm>
-            <a:off x="4673600" y="5346700"/>
+            <a:off x="6197600" y="5346700"/>
             <a:ext cx="622300" cy="0"/>
           </a:xfrm>
           <a:prstGeom prst="line">
@@ -24224,7 +26071,7 @@
         </p:nvSpPr>
         <p:spPr bwMode="auto">
           <a:xfrm>
-            <a:off x="119063" y="5249863"/>
+            <a:off x="1643063" y="5249863"/>
             <a:ext cx="963406" cy="459100"/>
           </a:xfrm>
           <a:prstGeom prst="rect">
@@ -24271,14 +26118,11 @@
           <a:lstStyle/>
           <a:p>
             <a:r>
-              <a:rPr lang="en-US" altLang="en-US" sz="2400" dirty="0" smtClean="0">
+              <a:rPr lang="en-US" altLang="en-US" sz="2400" dirty="0">
                 <a:latin typeface="Book Antiqua" panose="02040602050305030304" pitchFamily="18" charset="0"/>
               </a:rPr>
               <a:t>water</a:t>
             </a:r>
-            <a:endParaRPr lang="en-US" altLang="en-US" sz="2400" dirty="0">
-              <a:latin typeface="Book Antiqua" panose="02040602050305030304" pitchFamily="18" charset="0"/>
-            </a:endParaRPr>
           </a:p>
         </p:txBody>
       </p:sp>
@@ -24292,7 +26136,7 @@
         </p:nvSpPr>
         <p:spPr bwMode="auto">
           <a:xfrm>
-            <a:off x="5365750" y="3635375"/>
+            <a:off x="6889750" y="3635375"/>
             <a:ext cx="863600" cy="457200"/>
           </a:xfrm>
           <a:prstGeom prst="rect">
@@ -24446,7 +26290,7 @@
 </p:sld>
 </file>
 
-<file path=ppt/slides/slide3.xml><?xml version="1.0" encoding="utf-8"?>
+<file path=ppt/slides/slide8.xml><?xml version="1.0" encoding="utf-8"?>
 <p:sld xmlns:a="http://schemas.openxmlformats.org/drawingml/2006/main" xmlns:r="http://schemas.openxmlformats.org/officeDocument/2006/relationships" xmlns:p="http://schemas.openxmlformats.org/presentationml/2006/main">
   <p:cSld>
     <p:spTree>
@@ -24463,15 +26307,60 @@
           <a:chExt cx="0" cy="0"/>
         </a:xfrm>
       </p:grpSpPr>
+      <p:sp>
+        <p:nvSpPr>
+          <p:cNvPr id="11" name="Rectangle 10"/>
+          <p:cNvSpPr/>
+          <p:nvPr/>
+        </p:nvSpPr>
+        <p:spPr bwMode="auto">
+          <a:xfrm>
+            <a:off x="7776726" y="520829"/>
+            <a:ext cx="184731" cy="369332"/>
+          </a:xfrm>
+          <a:prstGeom prst="rect">
+            <a:avLst/>
+          </a:prstGeom>
+          <a:solidFill>
+            <a:schemeClr val="bg1"/>
+          </a:solidFill>
+          <a:ln w="12700" cap="flat" cmpd="sng" algn="ctr">
+            <a:solidFill>
+              <a:schemeClr val="bg1"/>
+            </a:solidFill>
+            <a:prstDash val="solid"/>
+            <a:round/>
+            <a:headEnd type="none" w="lg" len="med"/>
+            <a:tailEnd type="none" w="lg" len="med"/>
+          </a:ln>
+          <a:effectLst/>
+        </p:spPr>
+        <p:txBody>
+          <a:bodyPr vert="horz" wrap="none" lIns="91440" tIns="45720" rIns="91440" bIns="45720" numCol="1" rtlCol="0" anchor="ctr" anchorCtr="0" compatLnSpc="1">
+            <a:prstTxWarp prst="textNoShape">
+              <a:avLst/>
+            </a:prstTxWarp>
+            <a:spAutoFit/>
+          </a:bodyPr>
+          <a:lstStyle/>
+          <a:p>
+            <a:pPr eaLnBrk="1" hangingPunct="1"/>
+            <a:endParaRPr lang="en-US" sz="1800">
+              <a:latin typeface="Century Gothic" pitchFamily="34" charset="0"/>
+              <a:cs typeface="Arial" charset="0"/>
+            </a:endParaRPr>
+          </a:p>
+        </p:txBody>
+      </p:sp>
       <p:grpSp>
         <p:nvGrpSpPr>
-          <p:cNvPr id="10" name="Group 9"/>
+          <p:cNvPr id="30" name="Group 29"/>
           <p:cNvGrpSpPr/>
           <p:nvPr/>
         </p:nvGrpSpPr>
         <p:grpSpPr>
           <a:xfrm>
-            <a:off x="6465492" y="-3749661"/>
+            <a:off x="8525404" y="-3749660"/>
             <a:ext cx="782664" cy="6307810"/>
             <a:chOff x="6456335" y="-4091554"/>
             <a:chExt cx="782664" cy="6307810"/>
@@ -24479,7 +26368,7 @@
         </p:grpSpPr>
         <p:sp>
           <p:nvSpPr>
-            <p:cNvPr id="6" name="Rectangle 5"/>
+            <p:cNvPr id="31" name="Rectangle 30"/>
             <p:cNvSpPr/>
             <p:nvPr/>
           </p:nvSpPr>
@@ -24544,7 +26433,7 @@
         </p:sp>
         <p:sp>
           <p:nvSpPr>
-            <p:cNvPr id="7" name="Rectangle 6"/>
+            <p:cNvPr id="32" name="Rectangle 31"/>
             <p:cNvSpPr/>
             <p:nvPr/>
           </p:nvSpPr>
@@ -24618,13 +26507,13 @@
       </p:grpSp>
       <p:sp>
         <p:nvSpPr>
-          <p:cNvPr id="5" name="Rectangle 4"/>
+          <p:cNvPr id="33" name="Rectangle 32"/>
           <p:cNvSpPr/>
           <p:nvPr/>
         </p:nvSpPr>
         <p:spPr bwMode="auto">
           <a:xfrm>
-            <a:off x="6465492" y="1712562"/>
+            <a:off x="8525404" y="1712563"/>
             <a:ext cx="782664" cy="4479010"/>
           </a:xfrm>
           <a:prstGeom prst="rect">
@@ -24683,13 +26572,13 @@
       </p:sp>
       <p:sp>
         <p:nvSpPr>
-          <p:cNvPr id="11" name="Rectangle 10"/>
+          <p:cNvPr id="34" name="Rectangle 33"/>
           <p:cNvSpPr/>
           <p:nvPr/>
         </p:nvSpPr>
         <p:spPr bwMode="auto">
           <a:xfrm>
-            <a:off x="6252723" y="-280439"/>
+            <a:off x="8312635" y="-280438"/>
             <a:ext cx="1402134" cy="1971869"/>
           </a:xfrm>
           <a:prstGeom prst="rect">
@@ -24750,50 +26639,7 @@
       </p:sp>
       <p:sp>
         <p:nvSpPr>
-          <p:cNvPr id="2" name="Title 1"/>
-          <p:cNvSpPr>
-            <a:spLocks noGrp="1"/>
-          </p:cNvSpPr>
-          <p:nvPr>
-            <p:ph type="title"/>
-          </p:nvPr>
-        </p:nvSpPr>
-        <p:spPr/>
-        <p:txBody>
-          <a:bodyPr/>
-          <a:lstStyle/>
-          <a:p>
-            <a:r>
-              <a:rPr lang="en-US" dirty="0" smtClean="0"/>
-              <a:t>Mass Transfer </a:t>
-            </a:r>
-            <a:r>
-              <a:rPr lang="en-US" dirty="0"/>
-              <a:t>zone slowly moves </a:t>
-            </a:r>
-            <a:r>
-              <a:rPr lang="en-US" dirty="0" smtClean="0"/>
-              <a:t>through </a:t>
-            </a:r>
-            <a:r>
-              <a:rPr lang="en-US" dirty="0"/>
-              <a:t>the </a:t>
-            </a:r>
-            <a:r>
-              <a:rPr lang="en-US" dirty="0" smtClean="0"/>
-              <a:t>fixed bed </a:t>
-            </a:r>
-            <a:r>
-              <a:rPr lang="en-US" dirty="0" err="1" smtClean="0"/>
-              <a:t>adsorber</a:t>
-            </a:r>
-            <a:endParaRPr lang="en-US" dirty="0"/>
-          </a:p>
-        </p:txBody>
-      </p:sp>
-      <p:sp>
-        <p:nvSpPr>
-          <p:cNvPr id="12" name="Line 7"/>
+          <p:cNvPr id="36" name="Line 7"/>
           <p:cNvSpPr>
             <a:spLocks noChangeShapeType="1"/>
           </p:cNvSpPr>
@@ -24801,7 +26647,7 @@
         </p:nvSpPr>
         <p:spPr bwMode="auto">
           <a:xfrm>
-            <a:off x="0" y="1447800"/>
+            <a:off x="2059912" y="1447801"/>
             <a:ext cx="9144000" cy="0"/>
           </a:xfrm>
           <a:prstGeom prst="line">
@@ -24828,13 +26674,13 @@
       </p:sp>
       <p:cxnSp>
         <p:nvCxnSpPr>
-          <p:cNvPr id="14" name="Straight Arrow Connector 13"/>
+          <p:cNvPr id="37" name="Straight Arrow Connector 36"/>
           <p:cNvCxnSpPr/>
           <p:nvPr/>
         </p:nvCxnSpPr>
         <p:spPr bwMode="auto">
           <a:xfrm flipV="1">
-            <a:off x="887104" y="3589361"/>
+            <a:off x="2947016" y="3589362"/>
             <a:ext cx="0" cy="2602211"/>
           </a:xfrm>
           <a:prstGeom prst="straightConnector1">
@@ -24857,13 +26703,13 @@
       </p:cxnSp>
       <p:cxnSp>
         <p:nvCxnSpPr>
-          <p:cNvPr id="15" name="Straight Arrow Connector 14"/>
+          <p:cNvPr id="38" name="Straight Arrow Connector 37"/>
           <p:cNvCxnSpPr/>
           <p:nvPr/>
         </p:nvCxnSpPr>
         <p:spPr bwMode="auto">
           <a:xfrm>
-            <a:off x="887104" y="6171121"/>
+            <a:off x="2947016" y="6171122"/>
             <a:ext cx="4339992" cy="1"/>
           </a:xfrm>
           <a:prstGeom prst="straightConnector1">
@@ -24886,13 +26732,13 @@
       </p:cxnSp>
       <p:sp>
         <p:nvSpPr>
-          <p:cNvPr id="17" name="Freeform 16"/>
+          <p:cNvPr id="39" name="Freeform 38"/>
           <p:cNvSpPr/>
           <p:nvPr/>
         </p:nvSpPr>
         <p:spPr bwMode="auto">
           <a:xfrm>
-            <a:off x="889182" y="3766757"/>
+            <a:off x="2949094" y="3766758"/>
             <a:ext cx="4337915" cy="2362573"/>
           </a:xfrm>
           <a:custGeom>
@@ -25119,13 +26965,13 @@
       </p:sp>
       <p:sp>
         <p:nvSpPr>
-          <p:cNvPr id="18" name="Oval 17"/>
+          <p:cNvPr id="40" name="Oval 39"/>
           <p:cNvSpPr/>
           <p:nvPr/>
         </p:nvSpPr>
         <p:spPr bwMode="auto">
           <a:xfrm flipH="1">
-            <a:off x="873698" y="4289977"/>
+            <a:off x="2933610" y="4289978"/>
             <a:ext cx="45719" cy="1797807"/>
           </a:xfrm>
           <a:prstGeom prst="ellipse">
@@ -25186,13 +27032,13 @@
       </p:sp>
       <p:sp>
         <p:nvSpPr>
-          <p:cNvPr id="19" name="TextBox 18"/>
+          <p:cNvPr id="41" name="TextBox 40"/>
           <p:cNvSpPr txBox="1"/>
           <p:nvPr/>
         </p:nvSpPr>
         <p:spPr>
           <a:xfrm>
-            <a:off x="1433015" y="3766757"/>
+            <a:off x="3492927" y="3766758"/>
             <a:ext cx="3188681" cy="954107"/>
           </a:xfrm>
           <a:prstGeom prst="rect">
@@ -25232,13 +27078,13 @@
       </p:sp>
       <p:sp>
         <p:nvSpPr>
-          <p:cNvPr id="20" name="TextBox 19"/>
+          <p:cNvPr id="42" name="TextBox 41"/>
           <p:cNvSpPr txBox="1"/>
           <p:nvPr/>
         </p:nvSpPr>
         <p:spPr>
           <a:xfrm>
-            <a:off x="169182" y="4289977"/>
+            <a:off x="2229094" y="4289978"/>
             <a:ext cx="381836" cy="523220"/>
           </a:xfrm>
           <a:prstGeom prst="rect">
@@ -25266,13 +27112,13 @@
       </p:sp>
       <p:sp>
         <p:nvSpPr>
-          <p:cNvPr id="21" name="TextBox 20"/>
+          <p:cNvPr id="43" name="TextBox 42"/>
           <p:cNvSpPr txBox="1"/>
           <p:nvPr/>
         </p:nvSpPr>
         <p:spPr>
           <a:xfrm>
-            <a:off x="2569659" y="6232515"/>
+            <a:off x="4629571" y="6232516"/>
             <a:ext cx="923651" cy="523220"/>
           </a:xfrm>
           <a:prstGeom prst="rect">
@@ -25292,6 +27138,49 @@
               </a:rPr>
               <a:t>Time</a:t>
             </a:r>
+          </a:p>
+        </p:txBody>
+      </p:sp>
+      <p:sp>
+        <p:nvSpPr>
+          <p:cNvPr id="2" name="Title 1"/>
+          <p:cNvSpPr>
+            <a:spLocks noGrp="1"/>
+          </p:cNvSpPr>
+          <p:nvPr>
+            <p:ph type="title"/>
+          </p:nvPr>
+        </p:nvSpPr>
+        <p:spPr/>
+        <p:txBody>
+          <a:bodyPr/>
+          <a:lstStyle/>
+          <a:p>
+            <a:r>
+              <a:rPr lang="en-US" dirty="0" smtClean="0"/>
+              <a:t>Mass Transfer </a:t>
+            </a:r>
+            <a:r>
+              <a:rPr lang="en-US" dirty="0"/>
+              <a:t>zone slowly moves </a:t>
+            </a:r>
+            <a:r>
+              <a:rPr lang="en-US" dirty="0" smtClean="0"/>
+              <a:t>through </a:t>
+            </a:r>
+            <a:r>
+              <a:rPr lang="en-US" dirty="0"/>
+              <a:t>the </a:t>
+            </a:r>
+            <a:r>
+              <a:rPr lang="en-US" dirty="0" smtClean="0"/>
+              <a:t>fixed bed </a:t>
+            </a:r>
+            <a:r>
+              <a:rPr lang="en-US" dirty="0" err="1" smtClean="0"/>
+              <a:t>adsorber</a:t>
+            </a:r>
+            <a:endParaRPr lang="en-US" dirty="0"/>
           </a:p>
         </p:txBody>
       </p:sp>
@@ -25338,7 +27227,7 @@
                                       <p:cBhvr>
                                         <p:cTn id="6" dur="20000" fill="hold"/>
                                         <p:tgtEl>
-                                          <p:spTgt spid="10"/>
+                                          <p:spTgt spid="30"/>
                                         </p:tgtEl>
                                         <p:attrNameLst>
                                           <p:attrName>ppt_x</p:attrName>
@@ -25356,18 +27245,18 @@
                                     <p:cond delay="0"/>
                                   </p:stCondLst>
                                   <p:childTnLst>
-                                    <p:animMotion origin="layout" path="M 8.33333E-7 2.1721E-6 C 0.075 -0.00116 0.35625 -0.00509 0.45 -0.00625 " pathEditMode="relative" rAng="0" ptsTypes="aa">
+                                    <p:animMotion origin="layout" path="M 2.08333E-6 -1.48148E-6 C 0.05911 0.00116 0.28112 0.00533 0.35521 0.00671 " pathEditMode="relative" rAng="0" ptsTypes="AA">
                                       <p:cBhvr>
                                         <p:cTn id="8" dur="20000" fill="hold"/>
                                         <p:tgtEl>
-                                          <p:spTgt spid="18"/>
+                                          <p:spTgt spid="40"/>
                                         </p:tgtEl>
                                         <p:attrNameLst>
                                           <p:attrName>ppt_x</p:attrName>
                                           <p:attrName>ppt_y</p:attrName>
                                         </p:attrNameLst>
                                       </p:cBhvr>
-                                      <p:rCtr x="22500" y="-324"/>
+                                      <p:rCtr x="17760" y="324"/>
                                     </p:animMotion>
                                   </p:childTnLst>
                                 </p:cTn>
@@ -25386,7 +27275,7 @@
                                           </p:stCondLst>
                                         </p:cTn>
                                         <p:tgtEl>
-                                          <p:spTgt spid="18"/>
+                                          <p:spTgt spid="40"/>
                                         </p:tgtEl>
                                         <p:attrNameLst>
                                           <p:attrName>style.visibility</p:attrName>
@@ -25427,14 +27316,14 @@
       </p:par>
     </p:tnLst>
     <p:bldLst>
-      <p:bldP spid="18" grpId="0" animBg="1"/>
-      <p:bldP spid="18" grpId="1" animBg="1"/>
+      <p:bldP spid="40" grpId="0" animBg="1"/>
+      <p:bldP spid="40" grpId="1" animBg="1"/>
     </p:bldLst>
   </p:timing>
 </p:sld>
 </file>
 
-<file path=ppt/slides/slide4.xml><?xml version="1.0" encoding="utf-8"?>
+<file path=ppt/slides/slide9.xml><?xml version="1.0" encoding="utf-8"?>
 <p:sld xmlns:a="http://schemas.openxmlformats.org/drawingml/2006/main" xmlns:r="http://schemas.openxmlformats.org/officeDocument/2006/relationships" xmlns:p="http://schemas.openxmlformats.org/presentationml/2006/main">
   <p:cSld>
     <p:spTree>
@@ -25451,15 +27340,38 @@
           <a:chExt cx="0" cy="0"/>
         </a:xfrm>
       </p:grpSpPr>
+      <p:sp>
+        <p:nvSpPr>
+          <p:cNvPr id="2" name="Title 1"/>
+          <p:cNvSpPr>
+            <a:spLocks noGrp="1"/>
+          </p:cNvSpPr>
+          <p:nvPr>
+            <p:ph type="title"/>
+          </p:nvPr>
+        </p:nvSpPr>
+        <p:spPr/>
+        <p:txBody>
+          <a:bodyPr/>
+          <a:lstStyle/>
+          <a:p>
+            <a:r>
+              <a:rPr lang="en-US" dirty="0" smtClean="0"/>
+              <a:t>Mass Transfer Zone</a:t>
+            </a:r>
+            <a:endParaRPr lang="en-US" dirty="0"/>
+          </a:p>
+        </p:txBody>
+      </p:sp>
       <p:grpSp>
         <p:nvGrpSpPr>
-          <p:cNvPr id="10" name="Group 9"/>
+          <p:cNvPr id="25" name="Group 24"/>
           <p:cNvGrpSpPr/>
           <p:nvPr/>
         </p:nvGrpSpPr>
         <p:grpSpPr>
           <a:xfrm>
-            <a:off x="7976240" y="1712562"/>
+            <a:off x="9684457" y="1712562"/>
             <a:ext cx="782664" cy="4479010"/>
             <a:chOff x="6465492" y="1712562"/>
             <a:chExt cx="782664" cy="4479010"/>
@@ -25467,7 +27379,7 @@
         </p:grpSpPr>
         <p:sp>
           <p:nvSpPr>
-            <p:cNvPr id="6" name="Rectangle 5"/>
+            <p:cNvPr id="27" name="Rectangle 26"/>
             <p:cNvSpPr/>
             <p:nvPr/>
           </p:nvSpPr>
@@ -25532,7 +27444,7 @@
         </p:sp>
         <p:sp>
           <p:nvSpPr>
-            <p:cNvPr id="7" name="Rectangle 6"/>
+            <p:cNvPr id="28" name="Rectangle 27"/>
             <p:cNvSpPr/>
             <p:nvPr/>
           </p:nvSpPr>
@@ -25605,7 +27517,7 @@
         </p:sp>
         <p:sp>
           <p:nvSpPr>
-            <p:cNvPr id="5" name="Rectangle 4"/>
+            <p:cNvPr id="29" name="Rectangle 28"/>
             <p:cNvSpPr/>
             <p:nvPr/>
           </p:nvSpPr>
@@ -25671,13 +27583,13 @@
       </p:grpSp>
       <p:sp>
         <p:nvSpPr>
-          <p:cNvPr id="17" name="Freeform 16"/>
+          <p:cNvPr id="30" name="Freeform 29"/>
           <p:cNvSpPr/>
           <p:nvPr/>
         </p:nvSpPr>
         <p:spPr bwMode="auto">
           <a:xfrm>
-            <a:off x="909061" y="3766757"/>
+            <a:off x="2617278" y="3766757"/>
             <a:ext cx="4318036" cy="2362573"/>
           </a:xfrm>
           <a:custGeom>
@@ -25904,13 +27816,13 @@
       </p:sp>
       <p:grpSp>
         <p:nvGrpSpPr>
-          <p:cNvPr id="3" name="Group 2"/>
+          <p:cNvPr id="31" name="Group 30"/>
           <p:cNvGrpSpPr/>
           <p:nvPr/>
         </p:nvGrpSpPr>
         <p:grpSpPr>
           <a:xfrm>
-            <a:off x="38795" y="3589361"/>
+            <a:off x="1747012" y="3589361"/>
             <a:ext cx="5188301" cy="3166374"/>
             <a:chOff x="38795" y="3589361"/>
             <a:chExt cx="5188301" cy="3166374"/>
@@ -25918,7 +27830,7 @@
         </p:grpSpPr>
         <p:cxnSp>
           <p:nvCxnSpPr>
-            <p:cNvPr id="14" name="Straight Arrow Connector 13"/>
+            <p:cNvPr id="32" name="Straight Arrow Connector 31"/>
             <p:cNvCxnSpPr/>
             <p:nvPr/>
           </p:nvCxnSpPr>
@@ -25947,7 +27859,7 @@
         </p:cxnSp>
         <p:cxnSp>
           <p:nvCxnSpPr>
-            <p:cNvPr id="15" name="Straight Arrow Connector 14"/>
+            <p:cNvPr id="37" name="Straight Arrow Connector 36"/>
             <p:cNvCxnSpPr/>
             <p:nvPr/>
           </p:nvCxnSpPr>
@@ -25976,7 +27888,7 @@
         </p:cxnSp>
         <p:sp>
           <p:nvSpPr>
-            <p:cNvPr id="20" name="TextBox 19"/>
+            <p:cNvPr id="38" name="TextBox 37"/>
             <p:cNvSpPr txBox="1"/>
             <p:nvPr/>
           </p:nvSpPr>
@@ -26010,7 +27922,7 @@
         </p:sp>
         <p:sp>
           <p:nvSpPr>
-            <p:cNvPr id="21" name="TextBox 20"/>
+            <p:cNvPr id="39" name="TextBox 38"/>
             <p:cNvSpPr txBox="1"/>
             <p:nvPr/>
           </p:nvSpPr>
@@ -26042,30 +27954,7 @@
       </p:grpSp>
       <p:sp>
         <p:nvSpPr>
-          <p:cNvPr id="2" name="Title 1"/>
-          <p:cNvSpPr>
-            <a:spLocks noGrp="1"/>
-          </p:cNvSpPr>
-          <p:nvPr>
-            <p:ph type="title"/>
-          </p:nvPr>
-        </p:nvSpPr>
-        <p:spPr/>
-        <p:txBody>
-          <a:bodyPr/>
-          <a:lstStyle/>
-          <a:p>
-            <a:r>
-              <a:rPr lang="en-US" dirty="0" smtClean="0"/>
-              <a:t>Mass Transfer Zone</a:t>
-            </a:r>
-            <a:endParaRPr lang="en-US" dirty="0"/>
-          </a:p>
-        </p:txBody>
-      </p:sp>
-      <p:sp>
-        <p:nvSpPr>
-          <p:cNvPr id="12" name="Line 7"/>
+          <p:cNvPr id="40" name="Line 7"/>
           <p:cNvSpPr>
             <a:spLocks noChangeShapeType="1"/>
           </p:cNvSpPr>
@@ -26073,7 +27962,7 @@
         </p:nvSpPr>
         <p:spPr bwMode="auto">
           <a:xfrm>
-            <a:off x="0" y="1447800"/>
+            <a:off x="1708217" y="1447800"/>
             <a:ext cx="9144000" cy="0"/>
           </a:xfrm>
           <a:prstGeom prst="line">
@@ -26100,13 +27989,13 @@
       </p:sp>
       <p:sp>
         <p:nvSpPr>
-          <p:cNvPr id="8" name="Right Brace 7"/>
+          <p:cNvPr id="41" name="Right Brace 40"/>
           <p:cNvSpPr/>
           <p:nvPr/>
         </p:nvSpPr>
         <p:spPr bwMode="auto">
           <a:xfrm rot="10800000">
-            <a:off x="7590602" y="3413578"/>
+            <a:off x="9298819" y="3413578"/>
             <a:ext cx="373711" cy="1828800"/>
           </a:xfrm>
           <a:prstGeom prst="rightBrace">
@@ -26167,13 +28056,13 @@
       </p:sp>
       <p:sp>
         <p:nvSpPr>
-          <p:cNvPr id="9" name="TextBox 8"/>
+          <p:cNvPr id="42" name="TextBox 41"/>
           <p:cNvSpPr txBox="1"/>
           <p:nvPr/>
         </p:nvSpPr>
         <p:spPr>
           <a:xfrm>
-            <a:off x="6186115" y="3766757"/>
+            <a:off x="7894332" y="3766757"/>
             <a:ext cx="1404486" cy="1200329"/>
           </a:xfrm>
           <a:prstGeom prst="rect">
@@ -26201,15 +28090,15 @@
       </p:sp>
       <p:cxnSp>
         <p:nvCxnSpPr>
-          <p:cNvPr id="13" name="Straight Connector 12"/>
+          <p:cNvPr id="43" name="Straight Connector 42"/>
           <p:cNvCxnSpPr>
-            <a:stCxn id="17" idx="2"/>
+            <a:stCxn id="30" idx="2"/>
           </p:cNvCxnSpPr>
           <p:nvPr/>
         </p:nvCxnSpPr>
         <p:spPr bwMode="auto">
           <a:xfrm flipV="1">
-            <a:off x="3965009" y="2250219"/>
+            <a:off x="5673226" y="2250219"/>
             <a:ext cx="10643" cy="3815891"/>
           </a:xfrm>
           <a:prstGeom prst="line">
@@ -26232,13 +28121,13 @@
       </p:cxnSp>
       <p:sp>
         <p:nvSpPr>
-          <p:cNvPr id="23" name="TextBox 22"/>
+          <p:cNvPr id="44" name="TextBox 43"/>
           <p:cNvSpPr txBox="1"/>
           <p:nvPr/>
         </p:nvSpPr>
         <p:spPr>
           <a:xfrm>
-            <a:off x="1266011" y="2130709"/>
+            <a:off x="2974228" y="2130709"/>
             <a:ext cx="2607295" cy="830997"/>
           </a:xfrm>
           <a:prstGeom prst="rect">
@@ -26272,13 +28161,13 @@
       </p:sp>
       <p:sp>
         <p:nvSpPr>
-          <p:cNvPr id="24" name="TextBox 23"/>
+          <p:cNvPr id="45" name="TextBox 44"/>
           <p:cNvSpPr txBox="1"/>
           <p:nvPr/>
         </p:nvSpPr>
         <p:spPr>
           <a:xfrm>
-            <a:off x="3994225" y="2068559"/>
+            <a:off x="5702442" y="2068559"/>
             <a:ext cx="2034273" cy="1200329"/>
           </a:xfrm>
           <a:prstGeom prst="rect">
@@ -26306,13 +28195,13 @@
       </p:sp>
       <p:cxnSp>
         <p:nvCxnSpPr>
-          <p:cNvPr id="26" name="Straight Connector 25"/>
+          <p:cNvPr id="46" name="Straight Connector 45"/>
           <p:cNvCxnSpPr/>
           <p:nvPr/>
         </p:nvCxnSpPr>
         <p:spPr bwMode="auto">
           <a:xfrm flipV="1">
-            <a:off x="927634" y="2130709"/>
+            <a:off x="2635851" y="2130709"/>
             <a:ext cx="10643" cy="3815891"/>
           </a:xfrm>
           <a:prstGeom prst="line">
@@ -26335,13 +28224,13 @@
       </p:cxnSp>
       <p:sp>
         <p:nvSpPr>
-          <p:cNvPr id="33" name="Right Brace 32"/>
+          <p:cNvPr id="47" name="Right Brace 46"/>
           <p:cNvSpPr/>
           <p:nvPr/>
         </p:nvSpPr>
         <p:spPr bwMode="auto">
           <a:xfrm rot="10800000">
-            <a:off x="7585055" y="1712562"/>
+            <a:off x="9293272" y="1712562"/>
             <a:ext cx="373711" cy="1701016"/>
           </a:xfrm>
           <a:prstGeom prst="rightBrace">
@@ -26402,13 +28291,13 @@
       </p:sp>
       <p:sp>
         <p:nvSpPr>
-          <p:cNvPr id="34" name="TextBox 33"/>
+          <p:cNvPr id="48" name="TextBox 47"/>
           <p:cNvSpPr txBox="1"/>
           <p:nvPr/>
         </p:nvSpPr>
         <p:spPr>
           <a:xfrm>
-            <a:off x="6186115" y="1979875"/>
+            <a:off x="7894332" y="1979875"/>
             <a:ext cx="1404486" cy="830997"/>
           </a:xfrm>
           <a:prstGeom prst="rect">
@@ -26433,13 +28322,13 @@
       </p:sp>
       <p:sp>
         <p:nvSpPr>
-          <p:cNvPr id="35" name="TextBox 34"/>
+          <p:cNvPr id="49" name="TextBox 48"/>
           <p:cNvSpPr txBox="1"/>
           <p:nvPr/>
         </p:nvSpPr>
         <p:spPr>
           <a:xfrm>
-            <a:off x="6415662" y="5388193"/>
+            <a:off x="8123879" y="5388193"/>
             <a:ext cx="1404486" cy="830997"/>
           </a:xfrm>
           <a:prstGeom prst="rect">
@@ -26464,13 +28353,13 @@
       </p:sp>
       <p:sp>
         <p:nvSpPr>
-          <p:cNvPr id="36" name="Right Brace 35"/>
+          <p:cNvPr id="50" name="Right Brace 49"/>
           <p:cNvSpPr/>
           <p:nvPr/>
         </p:nvSpPr>
         <p:spPr bwMode="auto">
           <a:xfrm rot="10800000">
-            <a:off x="7585054" y="5242379"/>
+            <a:off x="9293271" y="5242379"/>
             <a:ext cx="373711" cy="949193"/>
           </a:xfrm>
           <a:prstGeom prst="rightBrace">
@@ -26542,6 +28431,13 @@
   <p:transition>
     <p:fade/>
   </p:transition>
+  <p:timing>
+    <p:tnLst>
+      <p:par>
+        <p:cTn id="1" dur="indefinite" restart="never" nodeType="tmRoot"/>
+      </p:par>
+    </p:tnLst>
+  </p:timing>
 </p:sld>
 </file>
 
